--- a/Decision Trees and Random Forest/Machine Learning Foundation Project.pptx
+++ b/Decision Trees and Random Forest/Machine Learning Foundation Project.pptx
@@ -152,6 +152,9 @@
         </p14:section>
       </p14:sectionLst>
     </p:ext>
+    <p:ext uri="{EFAFB233-063F-42B5-8137-9DF3F51BA10A}">
+      <p15:sldGuideLst xmlns:p15="http://schemas.microsoft.com/office/powerpoint/2012/main"/>
+    </p:ext>
   </p:extLst>
 </p:presentation>
 </file>
@@ -202,7 +205,7 @@
           </a:lstStyle>
           <a:p>
             <a:r>
-              <a:rPr lang="en-US" smtClean="0"/>
+              <a:rPr lang="en-US"/>
               <a:t>Click to edit Master title style</a:t>
             </a:r>
             <a:endParaRPr lang="en-US" dirty="0"/>
@@ -323,7 +326,7 @@
           </a:lstStyle>
           <a:p>
             <a:r>
-              <a:rPr lang="en-US" smtClean="0"/>
+              <a:rPr lang="en-US"/>
               <a:t>Click to edit Master subtitle style</a:t>
             </a:r>
             <a:endParaRPr lang="en-US" dirty="0"/>
@@ -348,7 +351,7 @@
             <a:fld id="{B61BEF0D-F0BB-DE4B-95CE-6DB70DBA9567}" type="datetimeFigureOut">
               <a:rPr lang="en-US" dirty="0"/>
               <a:pPr/>
-              <a:t>1/30/2020</a:t>
+              <a:t>1/30/20</a:t>
             </a:fld>
             <a:endParaRPr lang="en-US" dirty="0"/>
           </a:p>
@@ -613,7 +616,7 @@
           <a:lstStyle/>
           <a:p>
             <a:r>
-              <a:rPr lang="en-US" smtClean="0"/>
+              <a:rPr lang="en-US"/>
               <a:t>Click to edit Master title style</a:t>
             </a:r>
             <a:endParaRPr lang="en-US" dirty="0"/>
@@ -700,7 +703,7 @@
           </a:lstStyle>
           <a:p>
             <a:r>
-              <a:rPr lang="en-US" smtClean="0"/>
+              <a:rPr lang="en-US"/>
               <a:t>Click icon to add picture</a:t>
             </a:r>
             <a:endParaRPr lang="en-US" dirty="0"/>
@@ -757,7 +760,7 @@
           <a:p>
             <a:pPr lvl="0"/>
             <a:r>
-              <a:rPr lang="en-US" smtClean="0"/>
+              <a:rPr lang="en-US"/>
               <a:t>Edit Master text styles</a:t>
             </a:r>
           </a:p>
@@ -781,7 +784,7 @@
             <a:fld id="{B61BEF0D-F0BB-DE4B-95CE-6DB70DBA9567}" type="datetimeFigureOut">
               <a:rPr lang="en-US" dirty="0"/>
               <a:pPr/>
-              <a:t>1/30/2020</a:t>
+              <a:t>1/30/20</a:t>
             </a:fld>
             <a:endParaRPr lang="en-US" dirty="0"/>
           </a:p>
@@ -882,7 +885,7 @@
           </a:lstStyle>
           <a:p>
             <a:r>
-              <a:rPr lang="en-US" smtClean="0"/>
+              <a:rPr lang="en-US"/>
               <a:t>Click to edit Master title style</a:t>
             </a:r>
             <a:endParaRPr lang="en-US" dirty="0"/>
@@ -1004,7 +1007,7 @@
           <a:p>
             <a:pPr lvl="0"/>
             <a:r>
-              <a:rPr lang="en-US" smtClean="0"/>
+              <a:rPr lang="en-US"/>
               <a:t>Edit Master text styles</a:t>
             </a:r>
           </a:p>
@@ -1028,7 +1031,7 @@
             <a:fld id="{B61BEF0D-F0BB-DE4B-95CE-6DB70DBA9567}" type="datetimeFigureOut">
               <a:rPr lang="en-US" dirty="0"/>
               <a:pPr/>
-              <a:t>1/30/2020</a:t>
+              <a:t>1/30/20</a:t>
             </a:fld>
             <a:endParaRPr lang="en-US" dirty="0"/>
           </a:p>
@@ -1133,7 +1136,7 @@
           </a:lstStyle>
           <a:p>
             <a:r>
-              <a:rPr lang="en-US" smtClean="0"/>
+              <a:rPr lang="en-US"/>
               <a:t>Click to edit Master title style</a:t>
             </a:r>
             <a:endParaRPr lang="en-US" dirty="0"/>
@@ -1188,7 +1191,7 @@
           <a:p>
             <a:pPr lvl="0"/>
             <a:r>
-              <a:rPr lang="en-US" smtClean="0"/>
+              <a:rPr lang="en-US"/>
               <a:t>Edit Master text styles</a:t>
             </a:r>
           </a:p>
@@ -1309,7 +1312,7 @@
           <a:p>
             <a:pPr lvl="0"/>
             <a:r>
-              <a:rPr lang="en-US" smtClean="0"/>
+              <a:rPr lang="en-US"/>
               <a:t>Edit Master text styles</a:t>
             </a:r>
           </a:p>
@@ -1333,7 +1336,7 @@
             <a:fld id="{B61BEF0D-F0BB-DE4B-95CE-6DB70DBA9567}" type="datetimeFigureOut">
               <a:rPr lang="en-US" dirty="0"/>
               <a:pPr/>
-              <a:t>1/30/2020</a:t>
+              <a:t>1/30/20</a:t>
             </a:fld>
             <a:endParaRPr lang="en-US" dirty="0"/>
           </a:p>
@@ -1502,7 +1505,7 @@
           </a:lstStyle>
           <a:p>
             <a:r>
-              <a:rPr lang="en-US" smtClean="0"/>
+              <a:rPr lang="en-US"/>
               <a:t>Click to edit Master title style</a:t>
             </a:r>
             <a:endParaRPr lang="en-US" dirty="0"/>
@@ -1624,7 +1627,7 @@
           <a:p>
             <a:pPr lvl="0"/>
             <a:r>
-              <a:rPr lang="en-US" smtClean="0"/>
+              <a:rPr lang="en-US"/>
               <a:t>Edit Master text styles</a:t>
             </a:r>
           </a:p>
@@ -1648,7 +1651,7 @@
             <a:fld id="{B61BEF0D-F0BB-DE4B-95CE-6DB70DBA9567}" type="datetimeFigureOut">
               <a:rPr lang="en-US" dirty="0"/>
               <a:pPr/>
-              <a:t>1/30/2020</a:t>
+              <a:t>1/30/20</a:t>
             </a:fld>
             <a:endParaRPr lang="en-US" dirty="0"/>
           </a:p>
@@ -1753,7 +1756,7 @@
           </a:lstStyle>
           <a:p>
             <a:r>
-              <a:rPr lang="en-US" smtClean="0"/>
+              <a:rPr lang="en-US"/>
               <a:t>Click to edit Master title style</a:t>
             </a:r>
             <a:endParaRPr lang="en-US" dirty="0"/>
@@ -1802,7 +1805,7 @@
               <a:buNone/>
             </a:pPr>
             <a:r>
-              <a:rPr lang="en-US" smtClean="0"/>
+              <a:rPr lang="en-US"/>
               <a:t>Edit Master text styles</a:t>
             </a:r>
           </a:p>
@@ -1923,7 +1926,7 @@
           <a:p>
             <a:pPr lvl="0"/>
             <a:r>
-              <a:rPr lang="en-US" smtClean="0"/>
+              <a:rPr lang="en-US"/>
               <a:t>Edit Master text styles</a:t>
             </a:r>
           </a:p>
@@ -1947,7 +1950,7 @@
             <a:fld id="{B61BEF0D-F0BB-DE4B-95CE-6DB70DBA9567}" type="datetimeFigureOut">
               <a:rPr lang="en-US" dirty="0"/>
               <a:pPr/>
-              <a:t>1/30/2020</a:t>
+              <a:t>1/30/20</a:t>
             </a:fld>
             <a:endParaRPr lang="en-US" dirty="0"/>
           </a:p>
@@ -2117,7 +2120,7 @@
           <a:p>
             <a:pPr marL="0" lvl="0"/>
             <a:r>
-              <a:rPr lang="en-US" smtClean="0"/>
+              <a:rPr lang="en-US"/>
               <a:t>Click to edit Master title style</a:t>
             </a:r>
             <a:endParaRPr lang="en-US" dirty="0"/>
@@ -2166,7 +2169,7 @@
               <a:buNone/>
             </a:pPr>
             <a:r>
-              <a:rPr lang="en-US" smtClean="0"/>
+              <a:rPr lang="en-US"/>
               <a:t>Edit Master text styles</a:t>
             </a:r>
           </a:p>
@@ -2287,7 +2290,7 @@
           <a:p>
             <a:pPr lvl="0"/>
             <a:r>
-              <a:rPr lang="en-US" smtClean="0"/>
+              <a:rPr lang="en-US"/>
               <a:t>Edit Master text styles</a:t>
             </a:r>
           </a:p>
@@ -2311,7 +2314,7 @@
             <a:fld id="{B61BEF0D-F0BB-DE4B-95CE-6DB70DBA9567}" type="datetimeFigureOut">
               <a:rPr lang="en-US" dirty="0"/>
               <a:pPr/>
-              <a:t>1/30/2020</a:t>
+              <a:t>1/30/20</a:t>
             </a:fld>
             <a:endParaRPr lang="en-US" dirty="0"/>
           </a:p>
@@ -2405,7 +2408,7 @@
           </a:lstStyle>
           <a:p>
             <a:r>
-              <a:rPr lang="en-US" smtClean="0"/>
+              <a:rPr lang="en-US"/>
               <a:t>Click to edit Master title style</a:t>
             </a:r>
             <a:endParaRPr lang="en-US" dirty="0"/>
@@ -2429,35 +2432,35 @@
           <a:p>
             <a:pPr lvl="0"/>
             <a:r>
-              <a:rPr lang="en-US" smtClean="0"/>
+              <a:rPr lang="en-US"/>
               <a:t>Edit Master text styles</a:t>
             </a:r>
           </a:p>
           <a:p>
             <a:pPr lvl="1"/>
             <a:r>
-              <a:rPr lang="en-US" smtClean="0"/>
+              <a:rPr lang="en-US"/>
               <a:t>Second level</a:t>
             </a:r>
           </a:p>
           <a:p>
             <a:pPr lvl="2"/>
             <a:r>
-              <a:rPr lang="en-US" smtClean="0"/>
+              <a:rPr lang="en-US"/>
               <a:t>Third level</a:t>
             </a:r>
           </a:p>
           <a:p>
             <a:pPr lvl="3"/>
             <a:r>
-              <a:rPr lang="en-US" smtClean="0"/>
+              <a:rPr lang="en-US"/>
               <a:t>Fourth level</a:t>
             </a:r>
           </a:p>
           <a:p>
             <a:pPr lvl="4"/>
             <a:r>
-              <a:rPr lang="en-US" smtClean="0"/>
+              <a:rPr lang="en-US"/>
               <a:t>Fifth level</a:t>
             </a:r>
             <a:endParaRPr lang="en-US" dirty="0"/>
@@ -2482,7 +2485,7 @@
             <a:fld id="{B61BEF0D-F0BB-DE4B-95CE-6DB70DBA9567}" type="datetimeFigureOut">
               <a:rPr lang="en-US" dirty="0"/>
               <a:pPr/>
-              <a:t>1/30/2020</a:t>
+              <a:t>1/30/20</a:t>
             </a:fld>
             <a:endParaRPr lang="en-US" dirty="0"/>
           </a:p>
@@ -2577,7 +2580,7 @@
           <a:lstStyle/>
           <a:p>
             <a:r>
-              <a:rPr lang="en-US" smtClean="0"/>
+              <a:rPr lang="en-US"/>
               <a:t>Click to edit Master title style</a:t>
             </a:r>
             <a:endParaRPr lang="en-US" dirty="0"/>
@@ -2606,35 +2609,35 @@
           <a:p>
             <a:pPr lvl="0"/>
             <a:r>
-              <a:rPr lang="en-US" smtClean="0"/>
+              <a:rPr lang="en-US"/>
               <a:t>Edit Master text styles</a:t>
             </a:r>
           </a:p>
           <a:p>
             <a:pPr lvl="1"/>
             <a:r>
-              <a:rPr lang="en-US" smtClean="0"/>
+              <a:rPr lang="en-US"/>
               <a:t>Second level</a:t>
             </a:r>
           </a:p>
           <a:p>
             <a:pPr lvl="2"/>
             <a:r>
-              <a:rPr lang="en-US" smtClean="0"/>
+              <a:rPr lang="en-US"/>
               <a:t>Third level</a:t>
             </a:r>
           </a:p>
           <a:p>
             <a:pPr lvl="3"/>
             <a:r>
-              <a:rPr lang="en-US" smtClean="0"/>
+              <a:rPr lang="en-US"/>
               <a:t>Fourth level</a:t>
             </a:r>
           </a:p>
           <a:p>
             <a:pPr lvl="4"/>
             <a:r>
-              <a:rPr lang="en-US" smtClean="0"/>
+              <a:rPr lang="en-US"/>
               <a:t>Fifth level</a:t>
             </a:r>
             <a:endParaRPr lang="en-US" dirty="0"/>
@@ -2659,7 +2662,7 @@
             <a:fld id="{B61BEF0D-F0BB-DE4B-95CE-6DB70DBA9567}" type="datetimeFigureOut">
               <a:rPr lang="en-US" dirty="0"/>
               <a:pPr/>
-              <a:t>1/30/2020</a:t>
+              <a:t>1/30/20</a:t>
             </a:fld>
             <a:endParaRPr lang="en-US" dirty="0"/>
           </a:p>
@@ -2749,7 +2752,7 @@
           <a:lstStyle/>
           <a:p>
             <a:r>
-              <a:rPr lang="en-US" smtClean="0"/>
+              <a:rPr lang="en-US"/>
               <a:t>Click to edit Master title style</a:t>
             </a:r>
             <a:endParaRPr lang="en-US" dirty="0"/>
@@ -2773,35 +2776,35 @@
           <a:p>
             <a:pPr lvl="0"/>
             <a:r>
-              <a:rPr lang="en-US" smtClean="0"/>
+              <a:rPr lang="en-US"/>
               <a:t>Edit Master text styles</a:t>
             </a:r>
           </a:p>
           <a:p>
             <a:pPr lvl="1"/>
             <a:r>
-              <a:rPr lang="en-US" smtClean="0"/>
+              <a:rPr lang="en-US"/>
               <a:t>Second level</a:t>
             </a:r>
           </a:p>
           <a:p>
             <a:pPr lvl="2"/>
             <a:r>
-              <a:rPr lang="en-US" smtClean="0"/>
+              <a:rPr lang="en-US"/>
               <a:t>Third level</a:t>
             </a:r>
           </a:p>
           <a:p>
             <a:pPr lvl="3"/>
             <a:r>
-              <a:rPr lang="en-US" smtClean="0"/>
+              <a:rPr lang="en-US"/>
               <a:t>Fourth level</a:t>
             </a:r>
           </a:p>
           <a:p>
             <a:pPr lvl="4"/>
             <a:r>
-              <a:rPr lang="en-US" smtClean="0"/>
+              <a:rPr lang="en-US"/>
               <a:t>Fifth level</a:t>
             </a:r>
             <a:endParaRPr lang="en-US" dirty="0"/>
@@ -2826,7 +2829,7 @@
             <a:fld id="{B61BEF0D-F0BB-DE4B-95CE-6DB70DBA9567}" type="datetimeFigureOut">
               <a:rPr lang="en-US" dirty="0"/>
               <a:pPr/>
-              <a:t>1/30/2020</a:t>
+              <a:t>1/30/20</a:t>
             </a:fld>
             <a:endParaRPr lang="en-US" dirty="0"/>
           </a:p>
@@ -2927,7 +2930,7 @@
           </a:lstStyle>
           <a:p>
             <a:r>
-              <a:rPr lang="en-US" smtClean="0"/>
+              <a:rPr lang="en-US"/>
               <a:t>Click to edit Master title style</a:t>
             </a:r>
             <a:endParaRPr lang="en-US" dirty="0"/>
@@ -3049,7 +3052,7 @@
           <a:p>
             <a:pPr lvl="0"/>
             <a:r>
-              <a:rPr lang="en-US" smtClean="0"/>
+              <a:rPr lang="en-US"/>
               <a:t>Edit Master text styles</a:t>
             </a:r>
           </a:p>
@@ -3073,7 +3076,7 @@
             <a:fld id="{B61BEF0D-F0BB-DE4B-95CE-6DB70DBA9567}" type="datetimeFigureOut">
               <a:rPr lang="en-US" dirty="0"/>
               <a:pPr/>
-              <a:t>1/30/2020</a:t>
+              <a:t>1/30/20</a:t>
             </a:fld>
             <a:endParaRPr lang="en-US" dirty="0"/>
           </a:p>
@@ -3163,7 +3166,7 @@
           <a:lstStyle/>
           <a:p>
             <a:r>
-              <a:rPr lang="en-US" smtClean="0"/>
+              <a:rPr lang="en-US"/>
               <a:t>Click to edit Master title style</a:t>
             </a:r>
             <a:endParaRPr lang="en-US" dirty="0"/>
@@ -3194,35 +3197,35 @@
           <a:p>
             <a:pPr lvl="0"/>
             <a:r>
-              <a:rPr lang="en-US" smtClean="0"/>
+              <a:rPr lang="en-US"/>
               <a:t>Edit Master text styles</a:t>
             </a:r>
           </a:p>
           <a:p>
             <a:pPr lvl="1"/>
             <a:r>
-              <a:rPr lang="en-US" smtClean="0"/>
+              <a:rPr lang="en-US"/>
               <a:t>Second level</a:t>
             </a:r>
           </a:p>
           <a:p>
             <a:pPr lvl="2"/>
             <a:r>
-              <a:rPr lang="en-US" smtClean="0"/>
+              <a:rPr lang="en-US"/>
               <a:t>Third level</a:t>
             </a:r>
           </a:p>
           <a:p>
             <a:pPr lvl="3"/>
             <a:r>
-              <a:rPr lang="en-US" smtClean="0"/>
+              <a:rPr lang="en-US"/>
               <a:t>Fourth level</a:t>
             </a:r>
           </a:p>
           <a:p>
             <a:pPr lvl="4"/>
             <a:r>
-              <a:rPr lang="en-US" smtClean="0"/>
+              <a:rPr lang="en-US"/>
               <a:t>Fifth level</a:t>
             </a:r>
             <a:endParaRPr lang="en-US" dirty="0"/>
@@ -3253,35 +3256,35 @@
           <a:p>
             <a:pPr lvl="0"/>
             <a:r>
-              <a:rPr lang="en-US" smtClean="0"/>
+              <a:rPr lang="en-US"/>
               <a:t>Edit Master text styles</a:t>
             </a:r>
           </a:p>
           <a:p>
             <a:pPr lvl="1"/>
             <a:r>
-              <a:rPr lang="en-US" smtClean="0"/>
+              <a:rPr lang="en-US"/>
               <a:t>Second level</a:t>
             </a:r>
           </a:p>
           <a:p>
             <a:pPr lvl="2"/>
             <a:r>
-              <a:rPr lang="en-US" smtClean="0"/>
+              <a:rPr lang="en-US"/>
               <a:t>Third level</a:t>
             </a:r>
           </a:p>
           <a:p>
             <a:pPr lvl="3"/>
             <a:r>
-              <a:rPr lang="en-US" smtClean="0"/>
+              <a:rPr lang="en-US"/>
               <a:t>Fourth level</a:t>
             </a:r>
           </a:p>
           <a:p>
             <a:pPr lvl="4"/>
             <a:r>
-              <a:rPr lang="en-US" smtClean="0"/>
+              <a:rPr lang="en-US"/>
               <a:t>Fifth level</a:t>
             </a:r>
             <a:endParaRPr lang="en-US" dirty="0"/>
@@ -3306,7 +3309,7 @@
             <a:fld id="{B61BEF0D-F0BB-DE4B-95CE-6DB70DBA9567}" type="datetimeFigureOut">
               <a:rPr lang="en-US" dirty="0"/>
               <a:pPr/>
-              <a:t>1/30/2020</a:t>
+              <a:t>1/30/20</a:t>
             </a:fld>
             <a:endParaRPr lang="en-US" dirty="0"/>
           </a:p>
@@ -3400,7 +3403,7 @@
           </a:lstStyle>
           <a:p>
             <a:r>
-              <a:rPr lang="en-US" smtClean="0"/>
+              <a:rPr lang="en-US"/>
               <a:t>Click to edit Master title style</a:t>
             </a:r>
             <a:endParaRPr lang="en-US" dirty="0"/>
@@ -3472,7 +3475,7 @@
           <a:p>
             <a:pPr lvl="0"/>
             <a:r>
-              <a:rPr lang="en-US" smtClean="0"/>
+              <a:rPr lang="en-US"/>
               <a:t>Edit Master text styles</a:t>
             </a:r>
           </a:p>
@@ -3502,35 +3505,35 @@
           <a:p>
             <a:pPr lvl="0"/>
             <a:r>
-              <a:rPr lang="en-US" smtClean="0"/>
+              <a:rPr lang="en-US"/>
               <a:t>Edit Master text styles</a:t>
             </a:r>
           </a:p>
           <a:p>
             <a:pPr lvl="1"/>
             <a:r>
-              <a:rPr lang="en-US" smtClean="0"/>
+              <a:rPr lang="en-US"/>
               <a:t>Second level</a:t>
             </a:r>
           </a:p>
           <a:p>
             <a:pPr lvl="2"/>
             <a:r>
-              <a:rPr lang="en-US" smtClean="0"/>
+              <a:rPr lang="en-US"/>
               <a:t>Third level</a:t>
             </a:r>
           </a:p>
           <a:p>
             <a:pPr lvl="3"/>
             <a:r>
-              <a:rPr lang="en-US" smtClean="0"/>
+              <a:rPr lang="en-US"/>
               <a:t>Fourth level</a:t>
             </a:r>
           </a:p>
           <a:p>
             <a:pPr lvl="4"/>
             <a:r>
-              <a:rPr lang="en-US" smtClean="0"/>
+              <a:rPr lang="en-US"/>
               <a:t>Fifth level</a:t>
             </a:r>
             <a:endParaRPr lang="en-US" dirty="0"/>
@@ -3602,7 +3605,7 @@
           <a:p>
             <a:pPr lvl="0"/>
             <a:r>
-              <a:rPr lang="en-US" smtClean="0"/>
+              <a:rPr lang="en-US"/>
               <a:t>Edit Master text styles</a:t>
             </a:r>
           </a:p>
@@ -3632,35 +3635,35 @@
           <a:p>
             <a:pPr lvl="0"/>
             <a:r>
-              <a:rPr lang="en-US" smtClean="0"/>
+              <a:rPr lang="en-US"/>
               <a:t>Edit Master text styles</a:t>
             </a:r>
           </a:p>
           <a:p>
             <a:pPr lvl="1"/>
             <a:r>
-              <a:rPr lang="en-US" smtClean="0"/>
+              <a:rPr lang="en-US"/>
               <a:t>Second level</a:t>
             </a:r>
           </a:p>
           <a:p>
             <a:pPr lvl="2"/>
             <a:r>
-              <a:rPr lang="en-US" smtClean="0"/>
+              <a:rPr lang="en-US"/>
               <a:t>Third level</a:t>
             </a:r>
           </a:p>
           <a:p>
             <a:pPr lvl="3"/>
             <a:r>
-              <a:rPr lang="en-US" smtClean="0"/>
+              <a:rPr lang="en-US"/>
               <a:t>Fourth level</a:t>
             </a:r>
           </a:p>
           <a:p>
             <a:pPr lvl="4"/>
             <a:r>
-              <a:rPr lang="en-US" smtClean="0"/>
+              <a:rPr lang="en-US"/>
               <a:t>Fifth level</a:t>
             </a:r>
             <a:endParaRPr lang="en-US" dirty="0"/>
@@ -3685,7 +3688,7 @@
             <a:fld id="{B61BEF0D-F0BB-DE4B-95CE-6DB70DBA9567}" type="datetimeFigureOut">
               <a:rPr lang="en-US" dirty="0"/>
               <a:pPr/>
-              <a:t>1/30/2020</a:t>
+              <a:t>1/30/20</a:t>
             </a:fld>
             <a:endParaRPr lang="en-US" dirty="0"/>
           </a:p>
@@ -3775,7 +3778,7 @@
           <a:lstStyle/>
           <a:p>
             <a:r>
-              <a:rPr lang="en-US" smtClean="0"/>
+              <a:rPr lang="en-US"/>
               <a:t>Click to edit Master title style</a:t>
             </a:r>
             <a:endParaRPr lang="en-US" dirty="0"/>
@@ -3800,7 +3803,7 @@
             <a:fld id="{B61BEF0D-F0BB-DE4B-95CE-6DB70DBA9567}" type="datetimeFigureOut">
               <a:rPr lang="en-US" dirty="0"/>
               <a:pPr/>
-              <a:t>1/30/2020</a:t>
+              <a:t>1/30/20</a:t>
             </a:fld>
             <a:endParaRPr lang="en-US" dirty="0"/>
           </a:p>
@@ -3892,7 +3895,7 @@
             <a:fld id="{B61BEF0D-F0BB-DE4B-95CE-6DB70DBA9567}" type="datetimeFigureOut">
               <a:rPr lang="en-US" dirty="0"/>
               <a:pPr/>
-              <a:t>1/30/2020</a:t>
+              <a:t>1/30/20</a:t>
             </a:fld>
             <a:endParaRPr lang="en-US" dirty="0"/>
           </a:p>
@@ -3993,7 +3996,7 @@
           </a:lstStyle>
           <a:p>
             <a:r>
-              <a:rPr lang="en-US" smtClean="0"/>
+              <a:rPr lang="en-US"/>
               <a:t>Click to edit Master title style</a:t>
             </a:r>
             <a:endParaRPr lang="en-US" dirty="0"/>
@@ -4024,35 +4027,35 @@
           <a:p>
             <a:pPr lvl="0"/>
             <a:r>
-              <a:rPr lang="en-US" smtClean="0"/>
+              <a:rPr lang="en-US"/>
               <a:t>Edit Master text styles</a:t>
             </a:r>
           </a:p>
           <a:p>
             <a:pPr lvl="1"/>
             <a:r>
-              <a:rPr lang="en-US" smtClean="0"/>
+              <a:rPr lang="en-US"/>
               <a:t>Second level</a:t>
             </a:r>
           </a:p>
           <a:p>
             <a:pPr lvl="2"/>
             <a:r>
-              <a:rPr lang="en-US" smtClean="0"/>
+              <a:rPr lang="en-US"/>
               <a:t>Third level</a:t>
             </a:r>
           </a:p>
           <a:p>
             <a:pPr lvl="3"/>
             <a:r>
-              <a:rPr lang="en-US" smtClean="0"/>
+              <a:rPr lang="en-US"/>
               <a:t>Fourth level</a:t>
             </a:r>
           </a:p>
           <a:p>
             <a:pPr lvl="4"/>
             <a:r>
-              <a:rPr lang="en-US" smtClean="0"/>
+              <a:rPr lang="en-US"/>
               <a:t>Fifth level</a:t>
             </a:r>
             <a:endParaRPr lang="en-US" dirty="0"/>
@@ -4120,7 +4123,7 @@
           <a:p>
             <a:pPr lvl="0"/>
             <a:r>
-              <a:rPr lang="en-US" smtClean="0"/>
+              <a:rPr lang="en-US"/>
               <a:t>Edit Master text styles</a:t>
             </a:r>
           </a:p>
@@ -4144,7 +4147,7 @@
             <a:fld id="{B61BEF0D-F0BB-DE4B-95CE-6DB70DBA9567}" type="datetimeFigureOut">
               <a:rPr lang="en-US" dirty="0"/>
               <a:pPr/>
-              <a:t>1/30/2020</a:t>
+              <a:t>1/30/20</a:t>
             </a:fld>
             <a:endParaRPr lang="en-US" dirty="0"/>
           </a:p>
@@ -4245,7 +4248,7 @@
           </a:lstStyle>
           <a:p>
             <a:r>
-              <a:rPr lang="en-US" smtClean="0"/>
+              <a:rPr lang="en-US"/>
               <a:t>Click to edit Master title style</a:t>
             </a:r>
             <a:endParaRPr lang="en-US" dirty="0"/>
@@ -4332,7 +4335,7 @@
           </a:lstStyle>
           <a:p>
             <a:r>
-              <a:rPr lang="en-US" smtClean="0"/>
+              <a:rPr lang="en-US"/>
               <a:t>Click icon to add picture</a:t>
             </a:r>
             <a:endParaRPr lang="en-US" dirty="0"/>
@@ -4400,7 +4403,7 @@
           <a:p>
             <a:pPr lvl="0"/>
             <a:r>
-              <a:rPr lang="en-US" smtClean="0"/>
+              <a:rPr lang="en-US"/>
               <a:t>Edit Master text styles</a:t>
             </a:r>
           </a:p>
@@ -4424,7 +4427,7 @@
             <a:fld id="{B61BEF0D-F0BB-DE4B-95CE-6DB70DBA9567}" type="datetimeFigureOut">
               <a:rPr lang="en-US" dirty="0"/>
               <a:pPr/>
-              <a:t>1/30/2020</a:t>
+              <a:t>1/30/20</a:t>
             </a:fld>
             <a:endParaRPr lang="en-US" dirty="0"/>
           </a:p>
@@ -4720,7 +4723,7 @@
           <a:lstStyle/>
           <a:p>
             <a:r>
-              <a:rPr lang="en-US" smtClean="0"/>
+              <a:rPr lang="en-US"/>
               <a:t>Click to edit Master title style</a:t>
             </a:r>
             <a:endParaRPr lang="en-US" dirty="0"/>
@@ -4754,35 +4757,35 @@
           <a:p>
             <a:pPr lvl="0"/>
             <a:r>
-              <a:rPr lang="en-US" smtClean="0"/>
+              <a:rPr lang="en-US"/>
               <a:t>Edit Master text styles</a:t>
             </a:r>
           </a:p>
           <a:p>
             <a:pPr lvl="1"/>
             <a:r>
-              <a:rPr lang="en-US" smtClean="0"/>
+              <a:rPr lang="en-US"/>
               <a:t>Second level</a:t>
             </a:r>
           </a:p>
           <a:p>
             <a:pPr lvl="2"/>
             <a:r>
-              <a:rPr lang="en-US" smtClean="0"/>
+              <a:rPr lang="en-US"/>
               <a:t>Third level</a:t>
             </a:r>
           </a:p>
           <a:p>
             <a:pPr lvl="3"/>
             <a:r>
-              <a:rPr lang="en-US" smtClean="0"/>
+              <a:rPr lang="en-US"/>
               <a:t>Fourth level</a:t>
             </a:r>
           </a:p>
           <a:p>
             <a:pPr lvl="4"/>
             <a:r>
-              <a:rPr lang="en-US" smtClean="0"/>
+              <a:rPr lang="en-US"/>
               <a:t>Fifth level</a:t>
             </a:r>
             <a:endParaRPr lang="en-US" dirty="0"/>
@@ -4827,7 +4830,7 @@
             <a:fld id="{B61BEF0D-F0BB-DE4B-95CE-6DB70DBA9567}" type="datetimeFigureOut">
               <a:rPr lang="en-US" dirty="0"/>
               <a:pPr/>
-              <a:t>1/30/2020</a:t>
+              <a:t>1/30/20</a:t>
             </a:fld>
             <a:endParaRPr lang="en-US" dirty="0"/>
           </a:p>
@@ -5374,10 +5377,9 @@
           <a:lstStyle/>
           <a:p>
             <a:r>
-              <a:rPr lang="en-US" dirty="0" smtClean="0"/>
+              <a:rPr lang="en-US" dirty="0"/>
               <a:t>Machine Learning Foundation Project</a:t>
             </a:r>
-            <a:endParaRPr lang="en-US" dirty="0"/>
           </a:p>
         </p:txBody>
       </p:sp>
@@ -5397,7 +5399,7 @@
           <a:lstStyle/>
           <a:p>
             <a:r>
-              <a:rPr lang="en-US" dirty="0" smtClean="0">
+              <a:rPr lang="en-US" dirty="0">
                 <a:solidFill>
                   <a:schemeClr val="tx1"/>
                 </a:solidFill>
@@ -5414,18 +5416,13 @@
           </a:p>
           <a:p>
             <a:r>
-              <a:rPr lang="en-US" dirty="0" smtClean="0">
+              <a:rPr lang="en-US" dirty="0">
                 <a:solidFill>
                   <a:schemeClr val="tx1"/>
                 </a:solidFill>
               </a:rPr>
               <a:t>By SURESH MANEM</a:t>
             </a:r>
-            <a:endParaRPr lang="en-US" dirty="0">
-              <a:solidFill>
-                <a:schemeClr val="tx1"/>
-              </a:solidFill>
-            </a:endParaRPr>
           </a:p>
         </p:txBody>
       </p:sp>
@@ -5439,13 +5436,6 @@
   <p:clrMapOvr>
     <a:masterClrMapping/>
   </p:clrMapOvr>
-  <p:timing>
-    <p:tnLst>
-      <p:par>
-        <p:cTn id="1" dur="indefinite" restart="never" nodeType="tmRoot"/>
-      </p:par>
-    </p:tnLst>
-  </p:timing>
 </p:sld>
 </file>
 
@@ -5490,7 +5480,7 @@
           <a:p>
             <a:pPr algn="ctr"/>
             <a:r>
-              <a:rPr lang="en-US" sz="5400" b="0" cap="none" spc="0" dirty="0" smtClean="0">
+              <a:rPr lang="en-US" sz="5400" b="0" cap="none" spc="0" dirty="0">
                 <a:ln w="0"/>
                 <a:solidFill>
                   <a:schemeClr val="accent1"/>
@@ -5505,19 +5495,6 @@
               </a:rPr>
               <a:t>Improved Model</a:t>
             </a:r>
-            <a:endParaRPr lang="en-US" sz="5400" b="0" cap="none" spc="0" dirty="0">
-              <a:ln w="0"/>
-              <a:solidFill>
-                <a:schemeClr val="accent1"/>
-              </a:solidFill>
-              <a:effectLst>
-                <a:outerShdw blurRad="38100" dist="25400" dir="5400000" algn="ctr" rotWithShape="0">
-                  <a:srgbClr val="6E747A">
-                    <a:alpha val="43000"/>
-                  </a:srgbClr>
-                </a:outerShdw>
-              </a:effectLst>
-            </a:endParaRPr>
           </a:p>
         </p:txBody>
       </p:sp>
@@ -5618,18 +5595,13 @@
                     <a:p>
                       <a:pPr algn="ctr"/>
                       <a:r>
-                        <a:rPr lang="en-US" sz="1600" dirty="0" smtClean="0">
+                        <a:rPr lang="en-US" sz="1600" dirty="0">
                           <a:solidFill>
                             <a:schemeClr val="bg1"/>
                           </a:solidFill>
                         </a:rPr>
                         <a:t>Data Set</a:t>
                       </a:r>
-                      <a:endParaRPr lang="en-US" sz="1600" dirty="0">
-                        <a:solidFill>
-                          <a:schemeClr val="bg1"/>
-                        </a:solidFill>
-                      </a:endParaRPr>
                     </a:p>
                   </a:txBody>
                   <a:tcPr>
@@ -5648,18 +5620,13 @@
                     <a:p>
                       <a:pPr algn="ctr"/>
                       <a:r>
-                        <a:rPr lang="en-US" sz="1600" dirty="0" smtClean="0">
+                        <a:rPr lang="en-US" sz="1600" dirty="0">
                           <a:solidFill>
                             <a:schemeClr val="bg1"/>
                           </a:solidFill>
                         </a:rPr>
                         <a:t>True Positive</a:t>
                       </a:r>
-                      <a:endParaRPr lang="en-US" sz="1600" dirty="0">
-                        <a:solidFill>
-                          <a:schemeClr val="bg1"/>
-                        </a:solidFill>
-                      </a:endParaRPr>
                     </a:p>
                   </a:txBody>
                   <a:tcPr>
@@ -5678,18 +5645,13 @@
                     <a:p>
                       <a:pPr algn="ctr"/>
                       <a:r>
-                        <a:rPr lang="en-US" sz="1600" dirty="0" smtClean="0">
+                        <a:rPr lang="en-US" sz="1600" dirty="0">
                           <a:solidFill>
                             <a:schemeClr val="bg1"/>
                           </a:solidFill>
                         </a:rPr>
                         <a:t>True Negative</a:t>
                       </a:r>
-                      <a:endParaRPr lang="en-US" sz="1600" dirty="0">
-                        <a:solidFill>
-                          <a:schemeClr val="bg1"/>
-                        </a:solidFill>
-                      </a:endParaRPr>
                     </a:p>
                   </a:txBody>
                   <a:tcPr>
@@ -5708,18 +5670,13 @@
                     <a:p>
                       <a:pPr algn="ctr"/>
                       <a:r>
-                        <a:rPr lang="en-US" sz="1600" dirty="0" smtClean="0">
+                        <a:rPr lang="en-US" sz="1600" dirty="0">
                           <a:solidFill>
                             <a:schemeClr val="bg1"/>
                           </a:solidFill>
                         </a:rPr>
                         <a:t>False Positive</a:t>
                       </a:r>
-                      <a:endParaRPr lang="en-US" sz="1600" dirty="0">
-                        <a:solidFill>
-                          <a:schemeClr val="bg1"/>
-                        </a:solidFill>
-                      </a:endParaRPr>
                     </a:p>
                   </a:txBody>
                   <a:tcPr>
@@ -5738,18 +5695,13 @@
                     <a:p>
                       <a:pPr algn="ctr"/>
                       <a:r>
-                        <a:rPr lang="en-US" sz="1600" dirty="0" smtClean="0">
+                        <a:rPr lang="en-US" sz="1600" dirty="0">
                           <a:solidFill>
                             <a:schemeClr val="bg1"/>
                           </a:solidFill>
                         </a:rPr>
                         <a:t>False Negative</a:t>
                       </a:r>
-                      <a:endParaRPr lang="en-US" sz="1600" dirty="0">
-                        <a:solidFill>
-                          <a:schemeClr val="bg1"/>
-                        </a:solidFill>
-                      </a:endParaRPr>
                     </a:p>
                   </a:txBody>
                   <a:tcPr>
@@ -5768,18 +5720,13 @@
                     <a:p>
                       <a:pPr algn="ctr"/>
                       <a:r>
-                        <a:rPr lang="en-US" sz="1600" dirty="0" smtClean="0">
+                        <a:rPr lang="en-US" sz="1600" dirty="0">
                           <a:solidFill>
                             <a:schemeClr val="tx1"/>
                           </a:solidFill>
                         </a:rPr>
                         <a:t>Accuracy</a:t>
                       </a:r>
-                      <a:endParaRPr lang="en-US" sz="1600" dirty="0">
-                        <a:solidFill>
-                          <a:schemeClr val="tx1"/>
-                        </a:solidFill>
-                      </a:endParaRPr>
                     </a:p>
                   </a:txBody>
                   <a:tcPr>
@@ -5797,18 +5744,13 @@
                     <a:p>
                       <a:pPr algn="ctr"/>
                       <a:r>
-                        <a:rPr lang="en-US" sz="1600" dirty="0" smtClean="0">
+                        <a:rPr lang="en-US" sz="1600" dirty="0">
                           <a:solidFill>
                             <a:schemeClr val="tx1"/>
                           </a:solidFill>
                         </a:rPr>
                         <a:t>Precision</a:t>
                       </a:r>
-                      <a:endParaRPr lang="en-US" sz="1600" dirty="0">
-                        <a:solidFill>
-                          <a:schemeClr val="tx1"/>
-                        </a:solidFill>
-                      </a:endParaRPr>
                     </a:p>
                   </a:txBody>
                   <a:tcPr>
@@ -5826,18 +5768,13 @@
                     <a:p>
                       <a:pPr algn="ctr"/>
                       <a:r>
-                        <a:rPr lang="en-US" sz="1600" dirty="0" smtClean="0">
+                        <a:rPr lang="en-US" sz="1600" dirty="0">
                           <a:solidFill>
                             <a:schemeClr val="tx1"/>
                           </a:solidFill>
                         </a:rPr>
                         <a:t>Recall</a:t>
                       </a:r>
-                      <a:endParaRPr lang="en-US" sz="1600" dirty="0">
-                        <a:solidFill>
-                          <a:schemeClr val="tx1"/>
-                        </a:solidFill>
-                      </a:endParaRPr>
                     </a:p>
                   </a:txBody>
                   <a:tcPr>
@@ -5855,18 +5792,13 @@
                     <a:p>
                       <a:pPr algn="ctr"/>
                       <a:r>
-                        <a:rPr lang="en-US" sz="1600" dirty="0" smtClean="0">
+                        <a:rPr lang="en-US" sz="1600" dirty="0">
                           <a:solidFill>
                             <a:schemeClr val="tx1"/>
                           </a:solidFill>
                         </a:rPr>
                         <a:t>F-Score</a:t>
                       </a:r>
-                      <a:endParaRPr lang="en-US" sz="1600" dirty="0">
-                        <a:solidFill>
-                          <a:schemeClr val="tx1"/>
-                        </a:solidFill>
-                      </a:endParaRPr>
                     </a:p>
                   </a:txBody>
                   <a:tcPr>
@@ -5891,7 +5823,7 @@
                     <a:p>
                       <a:pPr marL="0" algn="ctr" defTabSz="457200" rtl="0" eaLnBrk="1" latinLnBrk="0" hangingPunct="1"/>
                       <a:r>
-                        <a:rPr lang="en-US" sz="1400" kern="1200" dirty="0" smtClean="0">
+                        <a:rPr lang="en-US" sz="1400" kern="1200" dirty="0">
                           <a:solidFill>
                             <a:schemeClr val="dk1"/>
                           </a:solidFill>
@@ -5901,14 +5833,6 @@
                         </a:rPr>
                         <a:t>Test Set</a:t>
                       </a:r>
-                      <a:endParaRPr lang="en-US" sz="1400" kern="1200" dirty="0">
-                        <a:solidFill>
-                          <a:schemeClr val="dk1"/>
-                        </a:solidFill>
-                        <a:latin typeface="+mn-lt"/>
-                        <a:ea typeface="+mn-ea"/>
-                        <a:cs typeface="+mn-cs"/>
-                      </a:endParaRPr>
                     </a:p>
                   </a:txBody>
                   <a:tcPr/>
@@ -5920,10 +5844,9 @@
                     <a:p>
                       <a:pPr algn="ctr"/>
                       <a:r>
-                        <a:rPr lang="en-US" sz="1400" dirty="0" smtClean="0"/>
+                        <a:rPr lang="en-US" sz="1400" dirty="0"/>
                         <a:t>576</a:t>
                       </a:r>
-                      <a:endParaRPr lang="en-US" sz="1400" dirty="0"/>
                     </a:p>
                   </a:txBody>
                   <a:tcPr/>
@@ -5935,10 +5858,9 @@
                     <a:p>
                       <a:pPr algn="ctr"/>
                       <a:r>
-                        <a:rPr lang="en-US" sz="1400" dirty="0" smtClean="0"/>
+                        <a:rPr lang="en-US" sz="1400" dirty="0"/>
                         <a:t>11</a:t>
                       </a:r>
-                      <a:endParaRPr lang="en-US" sz="1400" dirty="0"/>
                     </a:p>
                   </a:txBody>
                   <a:tcPr/>
@@ -5950,10 +5872,9 @@
                     <a:p>
                       <a:pPr algn="ctr"/>
                       <a:r>
-                        <a:rPr lang="en-US" sz="1400" dirty="0" smtClean="0"/>
+                        <a:rPr lang="en-US" sz="1400" dirty="0"/>
                         <a:t>43</a:t>
                       </a:r>
-                      <a:endParaRPr lang="en-US" sz="1400" dirty="0"/>
                     </a:p>
                   </a:txBody>
                   <a:tcPr/>
@@ -5965,10 +5886,9 @@
                     <a:p>
                       <a:pPr algn="ctr"/>
                       <a:r>
-                        <a:rPr lang="en-US" sz="1400" dirty="0" smtClean="0"/>
+                        <a:rPr lang="en-US" sz="1400" dirty="0"/>
                         <a:t>0</a:t>
                       </a:r>
-                      <a:endParaRPr lang="en-US" sz="1400" dirty="0"/>
                     </a:p>
                   </a:txBody>
                   <a:tcPr/>
@@ -5980,10 +5900,9 @@
                     <a:p>
                       <a:pPr algn="ctr"/>
                       <a:r>
-                        <a:rPr lang="en-US" sz="1400" dirty="0" smtClean="0"/>
+                        <a:rPr lang="en-US" sz="1400" dirty="0"/>
                         <a:t>93.1%</a:t>
                       </a:r>
-                      <a:endParaRPr lang="en-US" sz="1400" dirty="0"/>
                     </a:p>
                   </a:txBody>
                   <a:tcPr/>
@@ -5995,10 +5914,9 @@
                     <a:p>
                       <a:pPr algn="ctr"/>
                       <a:r>
-                        <a:rPr lang="en-US" sz="1400" dirty="0" smtClean="0"/>
+                        <a:rPr lang="en-US" sz="1400" dirty="0"/>
                         <a:t>93.1%</a:t>
                       </a:r>
-                      <a:endParaRPr lang="en-US" sz="1400" dirty="0"/>
                     </a:p>
                   </a:txBody>
                   <a:tcPr/>
@@ -6010,10 +5928,9 @@
                     <a:p>
                       <a:pPr algn="ctr"/>
                       <a:r>
-                        <a:rPr lang="en-US" sz="1400" dirty="0" smtClean="0"/>
+                        <a:rPr lang="en-US" sz="1400" dirty="0"/>
                         <a:t>99.8%</a:t>
                       </a:r>
-                      <a:endParaRPr lang="en-US" sz="1400" dirty="0"/>
                     </a:p>
                   </a:txBody>
                   <a:tcPr/>
@@ -6025,10 +5942,9 @@
                     <a:p>
                       <a:pPr algn="ctr"/>
                       <a:r>
-                        <a:rPr lang="en-US" sz="1400" dirty="0" smtClean="0"/>
+                        <a:rPr lang="en-US" sz="1400" dirty="0"/>
                         <a:t>96.3%</a:t>
                       </a:r>
-                      <a:endParaRPr lang="en-US" sz="1400" dirty="0"/>
                     </a:p>
                   </a:txBody>
                   <a:tcPr/>
@@ -6045,58 +5961,99 @@
       </p:graphicFrame>
       <p:pic>
         <p:nvPicPr>
-          <p:cNvPr id="2" name="Picture 1" descr="Screen Clipping"/>
+          <p:cNvPr id="7" name="Picture 6">
+            <a:extLst>
+              <a:ext uri="{FF2B5EF4-FFF2-40B4-BE49-F238E27FC236}">
+                <a16:creationId xmlns:a16="http://schemas.microsoft.com/office/drawing/2014/main" id="{F88668D7-95C5-0244-AA31-599954375DF1}"/>
+              </a:ext>
+            </a:extLst>
+          </p:cNvPr>
           <p:cNvPicPr>
             <a:picLocks noChangeAspect="1"/>
           </p:cNvPicPr>
           <p:nvPr/>
         </p:nvPicPr>
         <p:blipFill>
-          <a:blip r:embed="rId2">
-            <a:extLst>
-              <a:ext uri="{28A0092B-C50C-407E-A947-70E740481C1C}">
-                <a14:useLocalDpi xmlns:a14="http://schemas.microsoft.com/office/drawing/2010/main" val="0"/>
-              </a:ext>
-            </a:extLst>
-          </a:blip>
+          <a:blip r:embed="rId2"/>
           <a:stretch>
             <a:fillRect/>
           </a:stretch>
         </p:blipFill>
         <p:spPr>
           <a:xfrm>
-            <a:off x="6217920" y="1881051"/>
-            <a:ext cx="5809615" cy="4745883"/>
+            <a:off x="129993" y="2735701"/>
+            <a:ext cx="5809615" cy="2100703"/>
           </a:xfrm>
           <a:prstGeom prst="rect">
             <a:avLst/>
           </a:prstGeom>
         </p:spPr>
       </p:pic>
+      <p:sp>
+        <p:nvSpPr>
+          <p:cNvPr id="8" name="TextBox 7">
+            <a:extLst>
+              <a:ext uri="{FF2B5EF4-FFF2-40B4-BE49-F238E27FC236}">
+                <a16:creationId xmlns:a16="http://schemas.microsoft.com/office/drawing/2014/main" id="{52477BD9-01F2-FC4A-BA2A-EE6CFBC6A484}"/>
+              </a:ext>
+            </a:extLst>
+          </p:cNvPr>
+          <p:cNvSpPr txBox="1"/>
+          <p:nvPr/>
+        </p:nvSpPr>
+        <p:spPr>
+          <a:xfrm>
+            <a:off x="129993" y="2131860"/>
+            <a:ext cx="5257255" cy="646331"/>
+          </a:xfrm>
+          <a:prstGeom prst="rect">
+            <a:avLst/>
+          </a:prstGeom>
+          <a:noFill/>
+        </p:spPr>
+        <p:txBody>
+          <a:bodyPr wrap="square" rtlCol="0">
+            <a:spAutoFit/>
+          </a:bodyPr>
+          <a:lstStyle/>
+          <a:p>
+            <a:r>
+              <a:rPr lang="en-US" dirty="0">
+                <a:solidFill>
+                  <a:schemeClr val="accent1">
+                    <a:lumMod val="50000"/>
+                  </a:schemeClr>
+                </a:solidFill>
+              </a:rPr>
+              <a:t>Random Forest Classifier training the data for 300 estimators</a:t>
+            </a:r>
+          </a:p>
+        </p:txBody>
+      </p:sp>
       <p:pic>
         <p:nvPicPr>
-          <p:cNvPr id="3" name="Picture 2" descr="Screen Clipping"/>
+          <p:cNvPr id="10" name="Picture 9">
+            <a:extLst>
+              <a:ext uri="{FF2B5EF4-FFF2-40B4-BE49-F238E27FC236}">
+                <a16:creationId xmlns:a16="http://schemas.microsoft.com/office/drawing/2014/main" id="{85F34EF9-CFE3-524B-8F62-E1C2088D701A}"/>
+              </a:ext>
+            </a:extLst>
+          </p:cNvPr>
           <p:cNvPicPr>
             <a:picLocks noChangeAspect="1"/>
           </p:cNvPicPr>
           <p:nvPr/>
         </p:nvPicPr>
         <p:blipFill>
-          <a:blip r:embed="rId3">
-            <a:extLst>
-              <a:ext uri="{28A0092B-C50C-407E-A947-70E740481C1C}">
-                <a14:useLocalDpi xmlns:a14="http://schemas.microsoft.com/office/drawing/2010/main" val="0"/>
-              </a:ext>
-            </a:extLst>
-          </a:blip>
+          <a:blip r:embed="rId3"/>
           <a:stretch>
             <a:fillRect/>
           </a:stretch>
         </p:blipFill>
         <p:spPr>
           <a:xfrm>
-            <a:off x="129993" y="1881052"/>
-            <a:ext cx="5880789" cy="4745884"/>
+            <a:off x="6581597" y="1961001"/>
+            <a:ext cx="5348676" cy="4625631"/>
           </a:xfrm>
           <a:prstGeom prst="rect">
             <a:avLst/>
@@ -6113,13 +6070,6 @@
   <p:clrMapOvr>
     <a:masterClrMapping/>
   </p:clrMapOvr>
-  <p:timing>
-    <p:tnLst>
-      <p:par>
-        <p:cTn id="1" dur="indefinite" restart="never" nodeType="tmRoot"/>
-      </p:par>
-    </p:tnLst>
-  </p:timing>
 </p:sld>
 </file>
 
@@ -6164,7 +6114,7 @@
           <a:p>
             <a:pPr algn="ctr"/>
             <a:r>
-              <a:rPr lang="en-US" sz="5400" b="0" cap="none" spc="0" dirty="0" smtClean="0">
+              <a:rPr lang="en-US" sz="5400" b="0" cap="none" spc="0" dirty="0">
                 <a:ln w="0"/>
                 <a:solidFill>
                   <a:schemeClr val="accent1"/>
@@ -6179,19 +6129,47 @@
               </a:rPr>
               <a:t>Conclusion</a:t>
             </a:r>
-            <a:endParaRPr lang="en-US" sz="5400" b="0" cap="none" spc="0" dirty="0">
-              <a:ln w="0"/>
-              <a:solidFill>
-                <a:schemeClr val="accent1"/>
-              </a:solidFill>
-              <a:effectLst>
-                <a:outerShdw blurRad="38100" dist="25400" dir="5400000" algn="ctr" rotWithShape="0">
-                  <a:srgbClr val="6E747A">
-                    <a:alpha val="43000"/>
-                  </a:srgbClr>
-                </a:outerShdw>
-              </a:effectLst>
-            </a:endParaRPr>
+          </a:p>
+        </p:txBody>
+      </p:sp>
+      <p:sp>
+        <p:nvSpPr>
+          <p:cNvPr id="2" name="TextBox 1">
+            <a:extLst>
+              <a:ext uri="{FF2B5EF4-FFF2-40B4-BE49-F238E27FC236}">
+                <a16:creationId xmlns:a16="http://schemas.microsoft.com/office/drawing/2014/main" id="{D6486EE8-0086-9E4B-BE86-CA9A0D4DEE9B}"/>
+              </a:ext>
+            </a:extLst>
+          </p:cNvPr>
+          <p:cNvSpPr txBox="1"/>
+          <p:nvPr/>
+        </p:nvSpPr>
+        <p:spPr>
+          <a:xfrm>
+            <a:off x="716096" y="1311008"/>
+            <a:ext cx="8527055" cy="646331"/>
+          </a:xfrm>
+          <a:prstGeom prst="rect">
+            <a:avLst/>
+          </a:prstGeom>
+          <a:noFill/>
+        </p:spPr>
+        <p:txBody>
+          <a:bodyPr wrap="square" rtlCol="0">
+            <a:spAutoFit/>
+          </a:bodyPr>
+          <a:lstStyle/>
+          <a:p>
+            <a:r>
+              <a:rPr lang="en-US" dirty="0">
+                <a:solidFill>
+                  <a:schemeClr val="accent1">
+                    <a:lumMod val="50000"/>
+                  </a:schemeClr>
+                </a:solidFill>
+              </a:rPr>
+              <a:t>Observed the improvement in the model in terms of Precision and Recall when compared with change in the estimators</a:t>
+            </a:r>
           </a:p>
         </p:txBody>
       </p:sp>
@@ -6205,13 +6183,6 @@
   <p:clrMapOvr>
     <a:masterClrMapping/>
   </p:clrMapOvr>
-  <p:timing>
-    <p:tnLst>
-      <p:par>
-        <p:cTn id="1" dur="indefinite" restart="never" nodeType="tmRoot"/>
-      </p:par>
-    </p:tnLst>
-  </p:timing>
 </p:sld>
 </file>
 
@@ -6248,7 +6219,7 @@
           <a:lstStyle/>
           <a:p>
             <a:r>
-              <a:rPr lang="en-US" dirty="0" err="1" smtClean="0"/>
+              <a:rPr lang="en-US" dirty="0" err="1"/>
               <a:t>aPPENDIX</a:t>
             </a:r>
             <a:endParaRPr lang="en-US" dirty="0"/>
@@ -6265,13 +6236,6 @@
   <p:clrMapOvr>
     <a:masterClrMapping/>
   </p:clrMapOvr>
-  <p:timing>
-    <p:tnLst>
-      <p:par>
-        <p:cTn id="1" dur="indefinite" restart="never" nodeType="tmRoot"/>
-      </p:par>
-    </p:tnLst>
-  </p:timing>
 </p:sld>
 </file>
 
@@ -6316,7 +6280,7 @@
           <a:p>
             <a:pPr algn="ctr"/>
             <a:r>
-              <a:rPr lang="en-US" sz="5400" b="0" cap="none" spc="0" dirty="0" smtClean="0">
+              <a:rPr lang="en-US" sz="5400" b="0" cap="none" spc="0" dirty="0">
                 <a:ln w="0"/>
                 <a:solidFill>
                   <a:schemeClr val="accent1"/>
@@ -6331,19 +6295,6 @@
               </a:rPr>
               <a:t>Sensitivity Analysis</a:t>
             </a:r>
-            <a:endParaRPr lang="en-US" sz="5400" b="0" cap="none" spc="0" dirty="0">
-              <a:ln w="0"/>
-              <a:solidFill>
-                <a:schemeClr val="accent1"/>
-              </a:solidFill>
-              <a:effectLst>
-                <a:outerShdw blurRad="38100" dist="25400" dir="5400000" algn="ctr" rotWithShape="0">
-                  <a:srgbClr val="6E747A">
-                    <a:alpha val="43000"/>
-                  </a:srgbClr>
-                </a:outerShdw>
-              </a:effectLst>
-            </a:endParaRPr>
           </a:p>
         </p:txBody>
       </p:sp>
@@ -6400,10 +6351,9 @@
           <a:lstStyle/>
           <a:p>
             <a:r>
-              <a:rPr lang="en-US" dirty="0" smtClean="0"/>
+              <a:rPr lang="en-US" dirty="0"/>
               <a:t>Training Set</a:t>
             </a:r>
-            <a:endParaRPr lang="en-US" dirty="0"/>
           </a:p>
         </p:txBody>
       </p:sp>
@@ -6460,10 +6410,9 @@
           <a:lstStyle/>
           <a:p>
             <a:r>
-              <a:rPr lang="en-US" dirty="0" smtClean="0"/>
+              <a:rPr lang="en-US" dirty="0"/>
               <a:t>Test Set</a:t>
             </a:r>
-            <a:endParaRPr lang="en-US" dirty="0"/>
           </a:p>
         </p:txBody>
       </p:sp>
@@ -6520,10 +6469,9 @@
           <a:lstStyle/>
           <a:p>
             <a:r>
-              <a:rPr lang="en-US" dirty="0" smtClean="0"/>
+              <a:rPr lang="en-US" dirty="0"/>
               <a:t>Improved Model</a:t>
             </a:r>
-            <a:endParaRPr lang="en-US" dirty="0"/>
           </a:p>
         </p:txBody>
       </p:sp>
@@ -6537,13 +6485,6 @@
   <p:clrMapOvr>
     <a:masterClrMapping/>
   </p:clrMapOvr>
-  <p:timing>
-    <p:tnLst>
-      <p:par>
-        <p:cTn id="1" dur="indefinite" restart="never" nodeType="tmRoot"/>
-      </p:par>
-    </p:tnLst>
-  </p:timing>
 </p:sld>
 </file>
 
@@ -6609,7 +6550,7 @@
               <a:defRPr/>
             </a:pPr>
             <a:r>
-              <a:rPr lang="en-CA" sz="3200" dirty="0" smtClean="0">
+              <a:rPr lang="en-CA" sz="3200" dirty="0">
                 <a:solidFill>
                   <a:schemeClr val="bg1">
                     <a:lumMod val="50000"/>
@@ -6655,45 +6596,12 @@
           <a:p>
             <a:r>
               <a:rPr lang="en-CA" sz="2000" dirty="0"/>
-              <a:t>Decision Trees </a:t>
+              <a:t>Decision Trees are supervised Machine Learning technique where the data is split according to a certain condition/parameter. </a:t>
             </a:r>
-            <a:r>
-              <a:rPr lang="en-CA" sz="2000" dirty="0" smtClean="0"/>
-              <a:t>are supervised </a:t>
-            </a:r>
+          </a:p>
+          <a:p>
             <a:r>
               <a:rPr lang="en-CA" sz="2000" dirty="0"/>
-              <a:t>Machine Learning </a:t>
-            </a:r>
-            <a:r>
-              <a:rPr lang="en-CA" sz="2000" dirty="0" smtClean="0"/>
-              <a:t>technique where </a:t>
-            </a:r>
-            <a:r>
-              <a:rPr lang="en-CA" sz="2000" dirty="0"/>
-              <a:t>the data is </a:t>
-            </a:r>
-            <a:r>
-              <a:rPr lang="en-CA" sz="2000" dirty="0" smtClean="0"/>
-              <a:t>split </a:t>
-            </a:r>
-            <a:r>
-              <a:rPr lang="en-CA" sz="2000" dirty="0"/>
-              <a:t>according to a certain </a:t>
-            </a:r>
-            <a:r>
-              <a:rPr lang="en-CA" sz="2000" dirty="0" smtClean="0"/>
-              <a:t>condition/parameter</a:t>
-            </a:r>
-            <a:r>
-              <a:rPr lang="en-CA" sz="2000" dirty="0"/>
-              <a:t>. </a:t>
-            </a:r>
-            <a:endParaRPr lang="en-CA" sz="2000" dirty="0" smtClean="0"/>
-          </a:p>
-          <a:p>
-            <a:r>
-              <a:rPr lang="en-CA" sz="2000" dirty="0" smtClean="0"/>
               <a:t>Let’s assume we want to classify whether a customer could retire or not based on their savings and age.</a:t>
             </a:r>
           </a:p>
@@ -7325,10 +7233,9 @@
           <a:lstStyle/>
           <a:p>
             <a:r>
-              <a:rPr lang="en-CA" sz="2400" b="1" dirty="0" smtClean="0"/>
+              <a:rPr lang="en-CA" sz="2400" b="1" dirty="0"/>
               <a:t>SAVINGS</a:t>
             </a:r>
-            <a:endParaRPr lang="en-CA" sz="2400" b="1" dirty="0"/>
           </a:p>
         </p:txBody>
       </p:sp>
@@ -7355,10 +7262,9 @@
           <a:lstStyle/>
           <a:p>
             <a:r>
-              <a:rPr lang="en-CA" sz="2400" b="1" dirty="0" smtClean="0"/>
+              <a:rPr lang="en-CA" sz="2400" b="1" dirty="0"/>
               <a:t>AGE</a:t>
             </a:r>
-            <a:endParaRPr lang="en-CA" sz="2400" b="1" dirty="0"/>
           </a:p>
         </p:txBody>
       </p:sp>
@@ -9150,13 +9056,8 @@
           <a:p>
             <a:r>
               <a:rPr lang="en-CA" sz="2400" b="1" dirty="0"/>
-              <a:t>$</a:t>
+              <a:t>$1 Million</a:t>
             </a:r>
-            <a:r>
-              <a:rPr lang="en-CA" sz="2400" b="1" dirty="0" smtClean="0"/>
-              <a:t>1 Million</a:t>
-            </a:r>
-            <a:endParaRPr lang="en-CA" sz="2400" b="1" dirty="0"/>
           </a:p>
         </p:txBody>
       </p:sp>
@@ -9219,10 +9120,9 @@
           <a:lstStyle/>
           <a:p>
             <a:r>
-              <a:rPr lang="en-CA" sz="2400" b="1" dirty="0" smtClean="0"/>
+              <a:rPr lang="en-CA" sz="2400" b="1" dirty="0"/>
               <a:t>45 years </a:t>
             </a:r>
-            <a:endParaRPr lang="en-CA" sz="2400" b="1" dirty="0"/>
           </a:p>
         </p:txBody>
       </p:sp>
@@ -9266,10 +9166,9 @@
           <a:p>
             <a:pPr algn="ctr"/>
             <a:r>
-              <a:rPr lang="en-CA" sz="1400" dirty="0" smtClean="0"/>
+              <a:rPr lang="en-CA" sz="1400" dirty="0"/>
               <a:t>Savings&gt;$1M</a:t>
             </a:r>
-            <a:endParaRPr lang="en-CA" sz="1400" dirty="0"/>
           </a:p>
         </p:txBody>
       </p:sp>
@@ -9359,10 +9258,9 @@
           <a:p>
             <a:pPr algn="ctr"/>
             <a:r>
-              <a:rPr lang="en-CA" sz="1400" dirty="0" smtClean="0"/>
+              <a:rPr lang="en-CA" sz="1400" dirty="0"/>
               <a:t>Class #0 </a:t>
             </a:r>
-            <a:endParaRPr lang="en-CA" sz="1400" dirty="0"/>
           </a:p>
         </p:txBody>
       </p:sp>
@@ -9461,10 +9359,9 @@
           <a:lstStyle/>
           <a:p>
             <a:r>
-              <a:rPr lang="en-CA" sz="1400" dirty="0" smtClean="0"/>
+              <a:rPr lang="en-CA" sz="1400" dirty="0"/>
               <a:t>Yes</a:t>
             </a:r>
-            <a:endParaRPr lang="en-CA" sz="1400" dirty="0"/>
           </a:p>
         </p:txBody>
       </p:sp>
@@ -9491,10 +9388,9 @@
           <a:lstStyle/>
           <a:p>
             <a:r>
-              <a:rPr lang="en-CA" sz="1400" dirty="0" smtClean="0"/>
+              <a:rPr lang="en-CA" sz="1400" dirty="0"/>
               <a:t>No</a:t>
             </a:r>
-            <a:endParaRPr lang="en-CA" sz="1400" dirty="0"/>
           </a:p>
         </p:txBody>
       </p:sp>
@@ -9587,10 +9483,9 @@
           <a:lstStyle/>
           <a:p>
             <a:r>
-              <a:rPr lang="en-CA" sz="1400" dirty="0" smtClean="0"/>
+              <a:rPr lang="en-CA" sz="1400" dirty="0"/>
               <a:t>Yes</a:t>
             </a:r>
-            <a:endParaRPr lang="en-CA" sz="1400" dirty="0"/>
           </a:p>
         </p:txBody>
       </p:sp>
@@ -9631,10 +9526,9 @@
           <a:p>
             <a:pPr algn="ctr"/>
             <a:r>
-              <a:rPr lang="en-CA" sz="1400" dirty="0" smtClean="0"/>
+              <a:rPr lang="en-CA" sz="1400" dirty="0"/>
               <a:t>Class #1</a:t>
             </a:r>
-            <a:endParaRPr lang="en-CA" sz="1400" dirty="0"/>
           </a:p>
         </p:txBody>
       </p:sp>
@@ -9707,10 +9601,9 @@
           <a:lstStyle/>
           <a:p>
             <a:r>
-              <a:rPr lang="en-CA" sz="1400" dirty="0" smtClean="0"/>
+              <a:rPr lang="en-CA" sz="1400" dirty="0"/>
               <a:t>No</a:t>
             </a:r>
-            <a:endParaRPr lang="en-CA" sz="1400" dirty="0"/>
           </a:p>
         </p:txBody>
       </p:sp>
@@ -12992,10 +12885,9 @@
           <a:p>
             <a:pPr algn="ctr"/>
             <a:r>
-              <a:rPr lang="en-CA" sz="1400" dirty="0" smtClean="0"/>
+              <a:rPr lang="en-CA" sz="1400" dirty="0"/>
               <a:t>Savings&gt;$1M</a:t>
             </a:r>
-            <a:endParaRPr lang="en-CA" sz="1400" dirty="0"/>
           </a:p>
         </p:txBody>
       </p:sp>
@@ -13085,10 +12977,9 @@
           <a:p>
             <a:pPr algn="ctr"/>
             <a:r>
-              <a:rPr lang="en-CA" sz="1400" dirty="0" smtClean="0"/>
+              <a:rPr lang="en-CA" sz="1400" dirty="0"/>
               <a:t>Class #0 </a:t>
             </a:r>
-            <a:endParaRPr lang="en-CA" sz="1400" dirty="0"/>
           </a:p>
         </p:txBody>
       </p:sp>
@@ -13187,10 +13078,9 @@
           <a:lstStyle/>
           <a:p>
             <a:r>
-              <a:rPr lang="en-CA" sz="1400" dirty="0" smtClean="0"/>
+              <a:rPr lang="en-CA" sz="1400" dirty="0"/>
               <a:t>Yes</a:t>
             </a:r>
-            <a:endParaRPr lang="en-CA" sz="1400" dirty="0"/>
           </a:p>
         </p:txBody>
       </p:sp>
@@ -13217,10 +13107,9 @@
           <a:lstStyle/>
           <a:p>
             <a:r>
-              <a:rPr lang="en-CA" sz="1400" dirty="0" smtClean="0"/>
+              <a:rPr lang="en-CA" sz="1400" dirty="0"/>
               <a:t>No</a:t>
             </a:r>
-            <a:endParaRPr lang="en-CA" sz="1400" dirty="0"/>
           </a:p>
         </p:txBody>
       </p:sp>
@@ -13313,10 +13202,9 @@
           <a:lstStyle/>
           <a:p>
             <a:r>
-              <a:rPr lang="en-CA" sz="1400" dirty="0" smtClean="0"/>
+              <a:rPr lang="en-CA" sz="1400" dirty="0"/>
               <a:t>Yes</a:t>
             </a:r>
-            <a:endParaRPr lang="en-CA" sz="1400" dirty="0"/>
           </a:p>
         </p:txBody>
       </p:sp>
@@ -13357,10 +13245,9 @@
           <a:p>
             <a:pPr algn="ctr"/>
             <a:r>
-              <a:rPr lang="en-CA" sz="1400" dirty="0" smtClean="0"/>
+              <a:rPr lang="en-CA" sz="1400" dirty="0"/>
               <a:t>Class #1</a:t>
             </a:r>
-            <a:endParaRPr lang="en-CA" sz="1400" dirty="0"/>
           </a:p>
         </p:txBody>
       </p:sp>
@@ -13433,10 +13320,9 @@
           <a:lstStyle/>
           <a:p>
             <a:r>
-              <a:rPr lang="en-CA" sz="1400" dirty="0" smtClean="0"/>
+              <a:rPr lang="en-CA" sz="1400" dirty="0"/>
               <a:t>No</a:t>
             </a:r>
-            <a:endParaRPr lang="en-CA" sz="1400" dirty="0"/>
           </a:p>
         </p:txBody>
       </p:sp>
@@ -13499,10 +13385,9 @@
           <a:lstStyle/>
           <a:p>
             <a:r>
-              <a:rPr lang="en-CA" b="1" dirty="0" smtClean="0"/>
+              <a:rPr lang="en-CA" b="1" dirty="0"/>
               <a:t>LEAVES</a:t>
             </a:r>
-            <a:endParaRPr lang="en-CA" b="1" dirty="0"/>
           </a:p>
         </p:txBody>
       </p:sp>
@@ -13567,10 +13452,9 @@
           <a:lstStyle/>
           <a:p>
             <a:r>
-              <a:rPr lang="en-CA" b="1" dirty="0" smtClean="0"/>
+              <a:rPr lang="en-CA" b="1" dirty="0"/>
               <a:t>DECISION NODES</a:t>
             </a:r>
-            <a:endParaRPr lang="en-CA" b="1" dirty="0"/>
           </a:p>
         </p:txBody>
       </p:sp>
@@ -13702,7 +13586,7 @@
               <a:defRPr/>
             </a:pPr>
             <a:r>
-              <a:rPr lang="en-CA" sz="3200" dirty="0" smtClean="0">
+              <a:rPr lang="en-CA" sz="3200" dirty="0">
                 <a:solidFill>
                   <a:schemeClr val="bg1">
                     <a:lumMod val="50000"/>
@@ -13713,7 +13597,7 @@
               <a:t>DECISION TREES: </a:t>
             </a:r>
             <a:r>
-              <a:rPr lang="en-CA" sz="3200" dirty="0" smtClean="0">
+              <a:rPr lang="en-CA" sz="3200" dirty="0">
                 <a:solidFill>
                   <a:srgbClr val="FF0000"/>
                 </a:solidFill>
@@ -13721,12 +13605,6 @@
               </a:rPr>
               <a:t>DEFINITIONS</a:t>
             </a:r>
-            <a:endParaRPr lang="en-CA" sz="3200" dirty="0">
-              <a:solidFill>
-                <a:srgbClr val="FF0000"/>
-              </a:solidFill>
-              <a:latin typeface="Calibri Light" panose="020F0302020204030204"/>
-            </a:endParaRPr>
           </a:p>
         </p:txBody>
       </p:sp>
@@ -13772,46 +13650,24 @@
               <a:rPr lang="en-CA" sz="2000" dirty="0"/>
               <a:t>. </a:t>
             </a:r>
-            <a:endParaRPr lang="en-CA" sz="2000" dirty="0" smtClean="0"/>
           </a:p>
           <a:p>
             <a:r>
               <a:rPr lang="en-CA" sz="2000" dirty="0"/>
-              <a:t>L</a:t>
+              <a:t>Leaves are the decisions or the final outcomes.</a:t>
             </a:r>
-            <a:r>
-              <a:rPr lang="en-CA" sz="2000" dirty="0" smtClean="0"/>
-              <a:t>eaves </a:t>
-            </a:r>
+          </a:p>
+          <a:p>
             <a:r>
               <a:rPr lang="en-CA" sz="2000" dirty="0"/>
-              <a:t>are the decisions or the final outcomes</a:t>
+              <a:t>Decision nodes are where the data is split based on a certain attribute.</a:t>
             </a:r>
-            <a:r>
-              <a:rPr lang="en-CA" sz="2000" dirty="0" smtClean="0"/>
-              <a:t>.</a:t>
-            </a:r>
-          </a:p>
-          <a:p>
-            <a:r>
-              <a:rPr lang="en-CA" sz="2000" dirty="0" smtClean="0"/>
-              <a:t>Decision </a:t>
-            </a:r>
+          </a:p>
+          <a:p>
             <a:r>
               <a:rPr lang="en-CA" sz="2000" dirty="0"/>
-              <a:t>nodes are where the data is </a:t>
-            </a:r>
-            <a:r>
-              <a:rPr lang="en-CA" sz="2000" dirty="0" smtClean="0"/>
-              <a:t>split based on a certain attribute.</a:t>
-            </a:r>
-          </a:p>
-          <a:p>
-            <a:r>
-              <a:rPr lang="en-CA" sz="2000" dirty="0" smtClean="0"/>
               <a:t>Objective is to minimize the entropy which provides the optimum split </a:t>
             </a:r>
-            <a:endParaRPr lang="en-CA" sz="2000" dirty="0"/>
           </a:p>
           <a:p>
             <a:endParaRPr lang="en-CA" sz="2000" dirty="0"/>
@@ -13828,13 +13684,6 @@
   <p:clrMapOvr>
     <a:masterClrMapping/>
   </p:clrMapOvr>
-  <p:timing>
-    <p:tnLst>
-      <p:par>
-        <p:cTn id="1" dur="indefinite" restart="never" nodeType="tmRoot"/>
-      </p:par>
-    </p:tnLst>
-  </p:timing>
 </p:sld>
 </file>
 
@@ -13900,7 +13749,7 @@
               <a:defRPr/>
             </a:pPr>
             <a:r>
-              <a:rPr lang="en-CA" sz="3200" dirty="0" smtClean="0">
+              <a:rPr lang="en-CA" sz="3200" dirty="0">
                 <a:solidFill>
                   <a:schemeClr val="bg1">
                     <a:lumMod val="50000"/>
@@ -13911,7 +13760,7 @@
               <a:t>DECISION TREES: </a:t>
             </a:r>
             <a:r>
-              <a:rPr lang="en-CA" sz="3200" dirty="0" smtClean="0">
+              <a:rPr lang="en-CA" sz="3200" dirty="0">
                 <a:solidFill>
                   <a:srgbClr val="FF0000"/>
                 </a:solidFill>
@@ -13919,12 +13768,6 @@
               </a:rPr>
               <a:t>CUSTOMER SEGMENTATION</a:t>
             </a:r>
-            <a:endParaRPr lang="en-CA" sz="3200" dirty="0">
-              <a:solidFill>
-                <a:srgbClr val="FF0000"/>
-              </a:solidFill>
-              <a:latin typeface="Calibri Light" panose="020F0302020204030204"/>
-            </a:endParaRPr>
           </a:p>
         </p:txBody>
       </p:sp>
@@ -13968,10 +13811,9 @@
           <a:p>
             <a:pPr algn="ctr"/>
             <a:r>
-              <a:rPr lang="en-CA" sz="1400" dirty="0" smtClean="0"/>
+              <a:rPr lang="en-CA" sz="1400" dirty="0"/>
               <a:t>Credit Score&lt;750</a:t>
             </a:r>
-            <a:endParaRPr lang="en-CA" sz="1400" dirty="0"/>
           </a:p>
         </p:txBody>
       </p:sp>
@@ -14015,10 +13857,9 @@
           <a:p>
             <a:pPr algn="ctr"/>
             <a:r>
-              <a:rPr lang="en-CA" sz="1400" dirty="0" smtClean="0"/>
+              <a:rPr lang="en-CA" sz="1400" dirty="0"/>
               <a:t>Income&lt;$200K</a:t>
             </a:r>
-            <a:endParaRPr lang="en-CA" sz="1400" dirty="0"/>
           </a:p>
         </p:txBody>
       </p:sp>
@@ -14126,10 +13967,9 @@
           <a:lstStyle/>
           <a:p>
             <a:r>
-              <a:rPr lang="en-CA" dirty="0" smtClean="0"/>
+              <a:rPr lang="en-CA" dirty="0"/>
               <a:t>Yes</a:t>
             </a:r>
-            <a:endParaRPr lang="en-CA" dirty="0"/>
           </a:p>
         </p:txBody>
       </p:sp>
@@ -14156,10 +13996,9 @@
           <a:lstStyle/>
           <a:p>
             <a:r>
-              <a:rPr lang="en-CA" dirty="0" smtClean="0"/>
+              <a:rPr lang="en-CA" dirty="0"/>
               <a:t>No</a:t>
             </a:r>
-            <a:endParaRPr lang="en-CA" dirty="0"/>
           </a:p>
         </p:txBody>
       </p:sp>
@@ -14786,10 +14625,9 @@
           <a:lstStyle/>
           <a:p>
             <a:r>
-              <a:rPr lang="en-CA" sz="2400" b="1" dirty="0" smtClean="0"/>
+              <a:rPr lang="en-CA" sz="2400" b="1" dirty="0"/>
               <a:t>INCOME</a:t>
             </a:r>
-            <a:endParaRPr lang="en-CA" sz="2400" b="1" dirty="0"/>
           </a:p>
         </p:txBody>
       </p:sp>
@@ -14816,10 +14654,9 @@
           <a:lstStyle/>
           <a:p>
             <a:r>
-              <a:rPr lang="en-CA" sz="2400" b="1" dirty="0" smtClean="0"/>
+              <a:rPr lang="en-CA" sz="2400" b="1" dirty="0"/>
               <a:t>CREDIT SCORE</a:t>
             </a:r>
-            <a:endParaRPr lang="en-CA" sz="2400" b="1" dirty="0"/>
           </a:p>
         </p:txBody>
       </p:sp>
@@ -16467,13 +16304,8 @@
           <a:p>
             <a:r>
               <a:rPr lang="en-CA" sz="2400" b="1" dirty="0"/>
-              <a:t>$</a:t>
+              <a:t>$200K</a:t>
             </a:r>
-            <a:r>
-              <a:rPr lang="en-CA" sz="2400" b="1" dirty="0" smtClean="0"/>
-              <a:t>200K</a:t>
-            </a:r>
-            <a:endParaRPr lang="en-CA" sz="2400" b="1" dirty="0"/>
           </a:p>
         </p:txBody>
       </p:sp>
@@ -17875,10 +17707,9 @@
           <a:p>
             <a:pPr algn="ctr"/>
             <a:r>
-              <a:rPr lang="en-CA" sz="1400" dirty="0" smtClean="0"/>
+              <a:rPr lang="en-CA" sz="1400" dirty="0"/>
               <a:t>Income&lt;$100K</a:t>
             </a:r>
-            <a:endParaRPr lang="en-CA" sz="1400" dirty="0"/>
           </a:p>
         </p:txBody>
       </p:sp>
@@ -17919,10 +17750,9 @@
           <a:p>
             <a:pPr algn="ctr"/>
             <a:r>
-              <a:rPr lang="en-CA" sz="1600" dirty="0" smtClean="0"/>
+              <a:rPr lang="en-CA" sz="1600" dirty="0"/>
               <a:t>Class #0</a:t>
             </a:r>
-            <a:endParaRPr lang="en-CA" sz="1600" dirty="0"/>
           </a:p>
         </p:txBody>
       </p:sp>
@@ -18028,10 +17858,9 @@
           <a:lstStyle/>
           <a:p>
             <a:r>
-              <a:rPr lang="en-CA" dirty="0" smtClean="0"/>
+              <a:rPr lang="en-CA" dirty="0"/>
               <a:t>Yes</a:t>
             </a:r>
-            <a:endParaRPr lang="en-CA" dirty="0"/>
           </a:p>
         </p:txBody>
       </p:sp>
@@ -18058,10 +17887,9 @@
           <a:lstStyle/>
           <a:p>
             <a:r>
-              <a:rPr lang="en-CA" dirty="0" smtClean="0"/>
+              <a:rPr lang="en-CA" dirty="0"/>
               <a:t>No</a:t>
             </a:r>
-            <a:endParaRPr lang="en-CA" dirty="0"/>
           </a:p>
         </p:txBody>
       </p:sp>
@@ -18105,10 +17933,9 @@
           <a:p>
             <a:pPr algn="ctr"/>
             <a:r>
-              <a:rPr lang="en-CA" sz="1600" dirty="0" smtClean="0"/>
+              <a:rPr lang="en-CA" sz="1600" dirty="0"/>
               <a:t>Class #1</a:t>
             </a:r>
-            <a:endParaRPr lang="en-CA" sz="1600" dirty="0"/>
           </a:p>
         </p:txBody>
       </p:sp>
@@ -18153,13 +17980,8 @@
             <a:pPr algn="ctr"/>
             <a:r>
               <a:rPr lang="en-CA" sz="1600" dirty="0"/>
-              <a:t>Class </a:t>
+              <a:t>Class #1</a:t>
             </a:r>
-            <a:r>
-              <a:rPr lang="en-CA" sz="1600" dirty="0" smtClean="0"/>
-              <a:t>#1</a:t>
-            </a:r>
-            <a:endParaRPr lang="en-CA" sz="1600" dirty="0"/>
           </a:p>
         </p:txBody>
       </p:sp>
@@ -18264,10 +18086,9 @@
           <a:lstStyle/>
           <a:p>
             <a:r>
-              <a:rPr lang="en-CA" dirty="0" smtClean="0"/>
+              <a:rPr lang="en-CA" dirty="0"/>
               <a:t>Yes</a:t>
             </a:r>
-            <a:endParaRPr lang="en-CA" dirty="0"/>
           </a:p>
         </p:txBody>
       </p:sp>
@@ -18294,10 +18115,9 @@
           <a:lstStyle/>
           <a:p>
             <a:r>
-              <a:rPr lang="en-CA" dirty="0" smtClean="0"/>
+              <a:rPr lang="en-CA" dirty="0"/>
               <a:t>No</a:t>
             </a:r>
-            <a:endParaRPr lang="en-CA" dirty="0"/>
           </a:p>
         </p:txBody>
       </p:sp>
@@ -18341,10 +18161,9 @@
           <a:p>
             <a:pPr algn="ctr"/>
             <a:r>
-              <a:rPr lang="en-CA" sz="1600" dirty="0" smtClean="0"/>
+              <a:rPr lang="en-CA" sz="1600" dirty="0"/>
               <a:t>Credit Score&lt;650</a:t>
             </a:r>
-            <a:endParaRPr lang="en-CA" sz="1600" dirty="0"/>
           </a:p>
         </p:txBody>
       </p:sp>
@@ -18371,10 +18190,9 @@
           <a:lstStyle/>
           <a:p>
             <a:r>
-              <a:rPr lang="en-CA" sz="2400" b="1" dirty="0" smtClean="0"/>
+              <a:rPr lang="en-CA" sz="2400" b="1" dirty="0"/>
               <a:t>$100K</a:t>
             </a:r>
-            <a:endParaRPr lang="en-CA" sz="2400" b="1" dirty="0"/>
           </a:p>
         </p:txBody>
       </p:sp>
@@ -18401,10 +18219,9 @@
           <a:lstStyle/>
           <a:p>
             <a:r>
-              <a:rPr lang="en-CA" sz="2400" b="1" dirty="0" smtClean="0"/>
+              <a:rPr lang="en-CA" sz="2400" b="1" dirty="0"/>
               <a:t>650</a:t>
             </a:r>
-            <a:endParaRPr lang="en-CA" sz="2400" b="1" dirty="0"/>
           </a:p>
         </p:txBody>
       </p:sp>
@@ -18431,10 +18248,9 @@
           <a:lstStyle/>
           <a:p>
             <a:r>
-              <a:rPr lang="en-CA" sz="2400" b="1" dirty="0" smtClean="0"/>
+              <a:rPr lang="en-CA" sz="2400" b="1" dirty="0"/>
               <a:t>750</a:t>
             </a:r>
-            <a:endParaRPr lang="en-CA" sz="2400" b="1" dirty="0"/>
           </a:p>
         </p:txBody>
       </p:sp>
@@ -18547,10 +18363,9 @@
           <a:lstStyle/>
           <a:p>
             <a:r>
-              <a:rPr lang="en-CA" dirty="0" smtClean="0"/>
+              <a:rPr lang="en-CA" dirty="0"/>
               <a:t>Yes</a:t>
             </a:r>
-            <a:endParaRPr lang="en-CA" dirty="0"/>
           </a:p>
         </p:txBody>
       </p:sp>
@@ -18591,10 +18406,9 @@
           <a:p>
             <a:pPr algn="ctr"/>
             <a:r>
-              <a:rPr lang="en-CA" sz="1600" dirty="0" smtClean="0"/>
+              <a:rPr lang="en-CA" sz="1600" dirty="0"/>
               <a:t>Class #0</a:t>
             </a:r>
-            <a:endParaRPr lang="en-CA" sz="1600" dirty="0"/>
           </a:p>
         </p:txBody>
       </p:sp>
@@ -18621,10 +18435,9 @@
           <a:lstStyle/>
           <a:p>
             <a:r>
-              <a:rPr lang="en-CA" dirty="0" smtClean="0"/>
+              <a:rPr lang="en-CA" dirty="0"/>
               <a:t>No</a:t>
             </a:r>
-            <a:endParaRPr lang="en-CA" dirty="0"/>
           </a:p>
         </p:txBody>
       </p:sp>
@@ -23889,7 +23702,7 @@
               <a:defRPr/>
             </a:pPr>
             <a:r>
-              <a:rPr lang="en-CA" sz="3200" b="1" dirty="0" smtClean="0">
+              <a:rPr lang="en-CA" sz="3200" b="1" dirty="0">
                 <a:solidFill>
                   <a:schemeClr val="bg1">
                     <a:lumMod val="50000"/>
@@ -23900,7 +23713,7 @@
               <a:t>RANDOM FOREST</a:t>
             </a:r>
             <a:r>
-              <a:rPr lang="en-CA" sz="3200" dirty="0" smtClean="0">
+              <a:rPr lang="en-CA" sz="3200" dirty="0">
                 <a:solidFill>
                   <a:schemeClr val="bg1">
                     <a:lumMod val="50000"/>
@@ -24083,61 +23896,39 @@
           <a:p>
             <a:r>
               <a:rPr lang="en-CA" sz="2000" dirty="0"/>
-              <a:t>Random Forest Classifier is </a:t>
-            </a:r>
-            <a:r>
-              <a:rPr lang="en-CA" sz="2000" dirty="0" smtClean="0"/>
-              <a:t>a type of </a:t>
-            </a:r>
-            <a:r>
-              <a:rPr lang="en-CA" sz="2000" b="1" dirty="0" smtClean="0"/>
-              <a:t>ensemble </a:t>
+              <a:t>Random Forest Classifier is a type of </a:t>
             </a:r>
             <a:r>
               <a:rPr lang="en-CA" sz="2000" b="1" dirty="0"/>
-              <a:t>algorithm</a:t>
+              <a:t>ensemble algorithm</a:t>
             </a:r>
             <a:r>
               <a:rPr lang="en-CA" sz="2000" dirty="0"/>
               <a:t>. </a:t>
             </a:r>
-            <a:endParaRPr lang="en-CA" sz="2000" dirty="0" smtClean="0"/>
           </a:p>
           <a:p>
             <a:r>
-              <a:rPr lang="en-CA" sz="2000" dirty="0" smtClean="0"/>
-              <a:t>It creates </a:t>
+              <a:rPr lang="en-CA" sz="2000" dirty="0"/>
+              <a:t>It creates a set of decision trees from randomly selected subset of training set. </a:t>
+            </a:r>
+          </a:p>
+          <a:p>
+            <a:r>
+              <a:rPr lang="en-CA" sz="2000" dirty="0"/>
+              <a:t>It then </a:t>
             </a:r>
             <a:r>
-              <a:rPr lang="en-CA" sz="2000" dirty="0"/>
-              <a:t>a set of decision trees from randomly selected subset of training set. </a:t>
-            </a:r>
-            <a:endParaRPr lang="en-CA" sz="2000" dirty="0" smtClean="0"/>
-          </a:p>
-          <a:p>
-            <a:r>
-              <a:rPr lang="en-CA" sz="2000" dirty="0" smtClean="0"/>
-              <a:t>It </a:t>
-            </a:r>
-            <a:r>
-              <a:rPr lang="en-CA" sz="2000" dirty="0"/>
-              <a:t>then </a:t>
-            </a:r>
-            <a:r>
-              <a:rPr lang="en-CA" sz="2000" b="1" dirty="0" smtClean="0"/>
+              <a:rPr lang="en-CA" sz="2000" b="1" dirty="0"/>
               <a:t>combines votes </a:t>
             </a:r>
             <a:r>
               <a:rPr lang="en-CA" sz="2000" dirty="0"/>
-              <a:t>from different decision trees to decide the final class of the test object</a:t>
+              <a:t>from different decision trees to decide the final class of the test object.</a:t>
             </a:r>
-            <a:r>
-              <a:rPr lang="en-CA" sz="2000" dirty="0" smtClean="0"/>
-              <a:t>.</a:t>
-            </a:r>
-          </a:p>
-          <a:p>
-            <a:endParaRPr lang="en-CA" sz="2000" dirty="0" smtClean="0"/>
+          </a:p>
+          <a:p>
+            <a:endParaRPr lang="en-CA" sz="2000" dirty="0"/>
           </a:p>
         </p:txBody>
       </p:sp>
@@ -24275,18 +24066,13 @@
           <a:p>
             <a:pPr algn="ctr"/>
             <a:r>
-              <a:rPr lang="en-CA" sz="800" dirty="0" smtClean="0">
+              <a:rPr lang="en-CA" sz="800" dirty="0">
                 <a:solidFill>
                   <a:schemeClr val="tx1"/>
                 </a:solidFill>
               </a:rPr>
               <a:t>Savings&gt;$1M</a:t>
             </a:r>
-            <a:endParaRPr lang="en-CA" sz="800" dirty="0">
-              <a:solidFill>
-                <a:schemeClr val="tx1"/>
-              </a:solidFill>
-            </a:endParaRPr>
           </a:p>
         </p:txBody>
       </p:sp>
@@ -24568,18 +24354,13 @@
           <a:p>
             <a:pPr algn="ctr"/>
             <a:r>
-              <a:rPr lang="en-CA" sz="800" dirty="0" smtClean="0">
+              <a:rPr lang="en-CA" sz="800" dirty="0">
                 <a:solidFill>
                   <a:schemeClr val="tx1"/>
                 </a:solidFill>
               </a:rPr>
               <a:t>Class #0 </a:t>
             </a:r>
-            <a:endParaRPr lang="en-CA" sz="800" dirty="0">
-              <a:solidFill>
-                <a:schemeClr val="tx1"/>
-              </a:solidFill>
-            </a:endParaRPr>
           </a:p>
         </p:txBody>
       </p:sp>
@@ -24780,10 +24561,9 @@
           </a:lstStyle>
           <a:p>
             <a:r>
-              <a:rPr lang="en-CA" sz="800" dirty="0" smtClean="0"/>
+              <a:rPr lang="en-CA" sz="800" dirty="0"/>
               <a:t>No</a:t>
             </a:r>
-            <a:endParaRPr lang="en-CA" sz="800" dirty="0"/>
           </a:p>
         </p:txBody>
       </p:sp>
@@ -24904,10 +24684,9 @@
           </a:lstStyle>
           <a:p>
             <a:r>
-              <a:rPr lang="en-CA" sz="800" dirty="0" smtClean="0"/>
+              <a:rPr lang="en-CA" sz="800" dirty="0"/>
               <a:t>Yes</a:t>
             </a:r>
-            <a:endParaRPr lang="en-CA" sz="800" dirty="0"/>
           </a:p>
         </p:txBody>
       </p:sp>
@@ -25045,18 +24824,13 @@
           <a:p>
             <a:pPr algn="ctr"/>
             <a:r>
-              <a:rPr lang="en-CA" sz="800" dirty="0" smtClean="0">
+              <a:rPr lang="en-CA" sz="800" dirty="0">
                 <a:solidFill>
                   <a:schemeClr val="bg1"/>
                 </a:solidFill>
               </a:rPr>
               <a:t>Class #1</a:t>
             </a:r>
-            <a:endParaRPr lang="en-CA" sz="800" dirty="0">
-              <a:solidFill>
-                <a:schemeClr val="bg1"/>
-              </a:solidFill>
-            </a:endParaRPr>
           </a:p>
         </p:txBody>
       </p:sp>
@@ -25194,18 +24968,13 @@
           <a:p>
             <a:pPr algn="ctr"/>
             <a:r>
-              <a:rPr lang="en-CA" sz="800" dirty="0" smtClean="0">
+              <a:rPr lang="en-CA" sz="800" dirty="0">
                 <a:solidFill>
                   <a:schemeClr val="tx1"/>
                 </a:solidFill>
               </a:rPr>
               <a:t>Class #0 </a:t>
             </a:r>
-            <a:endParaRPr lang="en-CA" sz="800" dirty="0">
-              <a:solidFill>
-                <a:schemeClr val="tx1"/>
-              </a:solidFill>
-            </a:endParaRPr>
           </a:p>
         </p:txBody>
       </p:sp>
@@ -25402,10 +25171,9 @@
           </a:lstStyle>
           <a:p>
             <a:r>
-              <a:rPr lang="en-CA" sz="800" dirty="0" smtClean="0"/>
+              <a:rPr lang="en-CA" sz="800" dirty="0"/>
               <a:t>No</a:t>
             </a:r>
-            <a:endParaRPr lang="en-CA" sz="800" dirty="0"/>
           </a:p>
         </p:txBody>
       </p:sp>
@@ -25526,10 +25294,9 @@
           </a:lstStyle>
           <a:p>
             <a:r>
-              <a:rPr lang="en-CA" sz="800" dirty="0" smtClean="0"/>
+              <a:rPr lang="en-CA" sz="800" dirty="0"/>
               <a:t>Yes</a:t>
             </a:r>
-            <a:endParaRPr lang="en-CA" sz="800" dirty="0"/>
           </a:p>
         </p:txBody>
       </p:sp>
@@ -25667,18 +25434,13 @@
           <a:p>
             <a:pPr algn="ctr"/>
             <a:r>
-              <a:rPr lang="en-CA" sz="800" dirty="0" smtClean="0">
+              <a:rPr lang="en-CA" sz="800" dirty="0">
                 <a:solidFill>
                   <a:schemeClr val="tx1"/>
                 </a:solidFill>
               </a:rPr>
               <a:t>Savings&gt;$1M</a:t>
             </a:r>
-            <a:endParaRPr lang="en-CA" sz="800" dirty="0">
-              <a:solidFill>
-                <a:schemeClr val="tx1"/>
-              </a:solidFill>
-            </a:endParaRPr>
           </a:p>
         </p:txBody>
       </p:sp>
@@ -25960,18 +25722,13 @@
           <a:p>
             <a:pPr algn="ctr"/>
             <a:r>
-              <a:rPr lang="en-CA" sz="800" dirty="0" smtClean="0">
+              <a:rPr lang="en-CA" sz="800" dirty="0">
                 <a:solidFill>
                   <a:schemeClr val="tx1"/>
                 </a:solidFill>
               </a:rPr>
               <a:t>Class #0 </a:t>
             </a:r>
-            <a:endParaRPr lang="en-CA" sz="800" dirty="0">
-              <a:solidFill>
-                <a:schemeClr val="tx1"/>
-              </a:solidFill>
-            </a:endParaRPr>
           </a:p>
         </p:txBody>
       </p:sp>
@@ -26172,10 +25929,9 @@
           </a:lstStyle>
           <a:p>
             <a:r>
-              <a:rPr lang="en-CA" sz="800" dirty="0" smtClean="0"/>
+              <a:rPr lang="en-CA" sz="800" dirty="0"/>
               <a:t>No</a:t>
             </a:r>
-            <a:endParaRPr lang="en-CA" sz="800" dirty="0"/>
           </a:p>
         </p:txBody>
       </p:sp>
@@ -26296,10 +26052,9 @@
           </a:lstStyle>
           <a:p>
             <a:r>
-              <a:rPr lang="en-CA" sz="800" dirty="0" smtClean="0"/>
+              <a:rPr lang="en-CA" sz="800" dirty="0"/>
               <a:t>Yes</a:t>
             </a:r>
-            <a:endParaRPr lang="en-CA" sz="800" dirty="0"/>
           </a:p>
         </p:txBody>
       </p:sp>
@@ -26437,18 +26192,13 @@
           <a:p>
             <a:pPr algn="ctr"/>
             <a:r>
-              <a:rPr lang="en-CA" sz="800" dirty="0" smtClean="0">
+              <a:rPr lang="en-CA" sz="800" dirty="0">
                 <a:solidFill>
                   <a:schemeClr val="bg1"/>
                 </a:solidFill>
               </a:rPr>
               <a:t>Class #1</a:t>
             </a:r>
-            <a:endParaRPr lang="en-CA" sz="800" dirty="0">
-              <a:solidFill>
-                <a:schemeClr val="bg1"/>
-              </a:solidFill>
-            </a:endParaRPr>
           </a:p>
         </p:txBody>
       </p:sp>
@@ -26586,18 +26336,13 @@
           <a:p>
             <a:pPr algn="ctr"/>
             <a:r>
-              <a:rPr lang="en-CA" sz="800" dirty="0" smtClean="0">
+              <a:rPr lang="en-CA" sz="800" dirty="0">
                 <a:solidFill>
                   <a:schemeClr val="tx1"/>
                 </a:solidFill>
               </a:rPr>
               <a:t>Class #0 </a:t>
             </a:r>
-            <a:endParaRPr lang="en-CA" sz="800" dirty="0">
-              <a:solidFill>
-                <a:schemeClr val="tx1"/>
-              </a:solidFill>
-            </a:endParaRPr>
           </a:p>
         </p:txBody>
       </p:sp>
@@ -26794,10 +26539,9 @@
           </a:lstStyle>
           <a:p>
             <a:r>
-              <a:rPr lang="en-CA" sz="800" dirty="0" smtClean="0"/>
+              <a:rPr lang="en-CA" sz="800" dirty="0"/>
               <a:t>No</a:t>
             </a:r>
-            <a:endParaRPr lang="en-CA" sz="800" dirty="0"/>
           </a:p>
         </p:txBody>
       </p:sp>
@@ -26918,10 +26662,9 @@
           </a:lstStyle>
           <a:p>
             <a:r>
-              <a:rPr lang="en-CA" sz="800" dirty="0" smtClean="0"/>
+              <a:rPr lang="en-CA" sz="800" dirty="0"/>
               <a:t>Yes</a:t>
             </a:r>
-            <a:endParaRPr lang="en-CA" sz="800" dirty="0"/>
           </a:p>
         </p:txBody>
       </p:sp>
@@ -27059,18 +26802,13 @@
           <a:p>
             <a:pPr algn="ctr"/>
             <a:r>
-              <a:rPr lang="en-CA" sz="800" dirty="0" smtClean="0">
+              <a:rPr lang="en-CA" sz="800" dirty="0">
                 <a:solidFill>
                   <a:schemeClr val="tx1"/>
                 </a:solidFill>
               </a:rPr>
               <a:t>Savings&gt;$1M</a:t>
             </a:r>
-            <a:endParaRPr lang="en-CA" sz="800" dirty="0">
-              <a:solidFill>
-                <a:schemeClr val="tx1"/>
-              </a:solidFill>
-            </a:endParaRPr>
           </a:p>
         </p:txBody>
       </p:sp>
@@ -27352,18 +27090,13 @@
           <a:p>
             <a:pPr algn="ctr"/>
             <a:r>
-              <a:rPr lang="en-CA" sz="800" dirty="0" smtClean="0">
+              <a:rPr lang="en-CA" sz="800" dirty="0">
                 <a:solidFill>
                   <a:schemeClr val="tx1"/>
                 </a:solidFill>
               </a:rPr>
               <a:t>Class #0 </a:t>
             </a:r>
-            <a:endParaRPr lang="en-CA" sz="800" dirty="0">
-              <a:solidFill>
-                <a:schemeClr val="tx1"/>
-              </a:solidFill>
-            </a:endParaRPr>
           </a:p>
         </p:txBody>
       </p:sp>
@@ -27564,10 +27297,9 @@
           </a:lstStyle>
           <a:p>
             <a:r>
-              <a:rPr lang="en-CA" sz="800" dirty="0" smtClean="0"/>
+              <a:rPr lang="en-CA" sz="800" dirty="0"/>
               <a:t>No</a:t>
             </a:r>
-            <a:endParaRPr lang="en-CA" sz="800" dirty="0"/>
           </a:p>
         </p:txBody>
       </p:sp>
@@ -27688,10 +27420,9 @@
           </a:lstStyle>
           <a:p>
             <a:r>
-              <a:rPr lang="en-CA" sz="800" dirty="0" smtClean="0"/>
+              <a:rPr lang="en-CA" sz="800" dirty="0"/>
               <a:t>Yes</a:t>
             </a:r>
-            <a:endParaRPr lang="en-CA" sz="800" dirty="0"/>
           </a:p>
         </p:txBody>
       </p:sp>
@@ -27829,18 +27560,13 @@
           <a:p>
             <a:pPr algn="ctr"/>
             <a:r>
-              <a:rPr lang="en-CA" sz="800" dirty="0" smtClean="0">
+              <a:rPr lang="en-CA" sz="800" dirty="0">
                 <a:solidFill>
                   <a:schemeClr val="bg1"/>
                 </a:solidFill>
               </a:rPr>
               <a:t>Class #1</a:t>
             </a:r>
-            <a:endParaRPr lang="en-CA" sz="800" dirty="0">
-              <a:solidFill>
-                <a:schemeClr val="bg1"/>
-              </a:solidFill>
-            </a:endParaRPr>
           </a:p>
         </p:txBody>
       </p:sp>
@@ -27978,18 +27704,13 @@
           <a:p>
             <a:pPr algn="ctr"/>
             <a:r>
-              <a:rPr lang="en-CA" sz="800" dirty="0" smtClean="0">
+              <a:rPr lang="en-CA" sz="800" dirty="0">
                 <a:solidFill>
                   <a:schemeClr val="tx1"/>
                 </a:solidFill>
               </a:rPr>
               <a:t>Class #0 </a:t>
             </a:r>
-            <a:endParaRPr lang="en-CA" sz="800" dirty="0">
-              <a:solidFill>
-                <a:schemeClr val="tx1"/>
-              </a:solidFill>
-            </a:endParaRPr>
           </a:p>
         </p:txBody>
       </p:sp>
@@ -28186,10 +27907,9 @@
           </a:lstStyle>
           <a:p>
             <a:r>
-              <a:rPr lang="en-CA" sz="800" dirty="0" smtClean="0"/>
+              <a:rPr lang="en-CA" sz="800" dirty="0"/>
               <a:t>No</a:t>
             </a:r>
-            <a:endParaRPr lang="en-CA" sz="800" dirty="0"/>
           </a:p>
         </p:txBody>
       </p:sp>
@@ -28310,10 +28030,9 @@
           </a:lstStyle>
           <a:p>
             <a:r>
-              <a:rPr lang="en-CA" sz="800" dirty="0" smtClean="0"/>
+              <a:rPr lang="en-CA" sz="800" dirty="0"/>
               <a:t>Yes</a:t>
             </a:r>
-            <a:endParaRPr lang="en-CA" sz="800" dirty="0"/>
           </a:p>
         </p:txBody>
       </p:sp>
@@ -28970,10 +28689,9 @@
           </a:lstStyle>
           <a:p>
             <a:r>
-              <a:rPr lang="en-CA" dirty="0" smtClean="0"/>
+              <a:rPr lang="en-CA" dirty="0"/>
               <a:t>TREE #1</a:t>
             </a:r>
-            <a:endParaRPr lang="en-CA" dirty="0"/>
           </a:p>
         </p:txBody>
       </p:sp>
@@ -29094,10 +28812,9 @@
           </a:lstStyle>
           <a:p>
             <a:r>
-              <a:rPr lang="en-CA" dirty="0" smtClean="0"/>
+              <a:rPr lang="en-CA" dirty="0"/>
               <a:t>TREE #2</a:t>
             </a:r>
-            <a:endParaRPr lang="en-CA" dirty="0"/>
           </a:p>
         </p:txBody>
       </p:sp>
@@ -29218,10 +28935,9 @@
           </a:lstStyle>
           <a:p>
             <a:r>
-              <a:rPr lang="en-CA" dirty="0" smtClean="0"/>
+              <a:rPr lang="en-CA" dirty="0"/>
               <a:t>TREE #N</a:t>
             </a:r>
-            <a:endParaRPr lang="en-CA" dirty="0"/>
           </a:p>
         </p:txBody>
       </p:sp>
@@ -29478,10 +29194,9 @@
           </a:lstStyle>
           <a:p>
             <a:r>
-              <a:rPr lang="en-CA" b="1" dirty="0" smtClean="0"/>
+              <a:rPr lang="en-CA" b="1" dirty="0"/>
               <a:t>MAJORITY VOTE = CLASS #1</a:t>
             </a:r>
-            <a:endParaRPr lang="en-CA" b="1" dirty="0"/>
           </a:p>
         </p:txBody>
       </p:sp>
@@ -29602,10 +29317,9 @@
           </a:lstStyle>
           <a:p>
             <a:r>
-              <a:rPr lang="en-CA" dirty="0" smtClean="0"/>
+              <a:rPr lang="en-CA" dirty="0"/>
               <a:t>OUT = CLASS #1</a:t>
             </a:r>
-            <a:endParaRPr lang="en-CA" dirty="0"/>
           </a:p>
         </p:txBody>
       </p:sp>
@@ -29726,10 +29440,9 @@
           </a:lstStyle>
           <a:p>
             <a:r>
-              <a:rPr lang="en-CA" dirty="0" smtClean="0"/>
+              <a:rPr lang="en-CA" dirty="0"/>
               <a:t>OUT = CLASS #1</a:t>
             </a:r>
-            <a:endParaRPr lang="en-CA" dirty="0"/>
           </a:p>
         </p:txBody>
       </p:sp>
@@ -29850,10 +29563,9 @@
           </a:lstStyle>
           <a:p>
             <a:r>
-              <a:rPr lang="en-CA" dirty="0" smtClean="0"/>
+              <a:rPr lang="en-CA" dirty="0"/>
               <a:t>OUT = CLASS #0</a:t>
             </a:r>
-            <a:endParaRPr lang="en-CA" dirty="0"/>
           </a:p>
         </p:txBody>
       </p:sp>
@@ -29867,13 +29579,6 @@
   <p:clrMapOvr>
     <a:masterClrMapping/>
   </p:clrMapOvr>
-  <p:timing>
-    <p:tnLst>
-      <p:par>
-        <p:cTn id="1" dur="indefinite" restart="never" nodeType="tmRoot"/>
-      </p:par>
-    </p:tnLst>
-  </p:timing>
 </p:sld>
 </file>
 
@@ -30015,7 +29720,7 @@
               <a:defRPr/>
             </a:pPr>
             <a:r>
-              <a:rPr lang="en-CA" sz="3200" dirty="0" smtClean="0">
+              <a:rPr lang="en-CA" sz="3200" dirty="0">
                 <a:solidFill>
                   <a:schemeClr val="bg1">
                     <a:lumMod val="50000"/>
@@ -30026,7 +29731,7 @@
               <a:t>RANDOM FOREST: </a:t>
             </a:r>
             <a:r>
-              <a:rPr lang="en-CA" sz="3200" dirty="0" smtClean="0">
+              <a:rPr lang="en-CA" sz="3200" dirty="0">
                 <a:solidFill>
                   <a:srgbClr val="FF0000"/>
                 </a:solidFill>
@@ -30034,12 +29739,6 @@
               </a:rPr>
               <a:t>WHY AND HOW?</a:t>
             </a:r>
-            <a:endParaRPr lang="en-CA" sz="3200" dirty="0">
-              <a:solidFill>
-                <a:srgbClr val="FF0000"/>
-              </a:solidFill>
-              <a:latin typeface="Calibri Light" panose="020F0302020204030204"/>
-            </a:endParaRPr>
           </a:p>
         </p:txBody>
       </p:sp>
@@ -30204,19 +29903,7 @@
           <a:p>
             <a:r>
               <a:rPr lang="en-CA" sz="2000" dirty="0"/>
-              <a:t>It overcomes the issues with single decision trees </a:t>
-            </a:r>
-            <a:r>
-              <a:rPr lang="en-CA" sz="2000" dirty="0" smtClean="0"/>
-              <a:t>by reducing </a:t>
-            </a:r>
-            <a:r>
-              <a:rPr lang="en-CA" sz="2000" dirty="0"/>
-              <a:t>the effect of noise</a:t>
-            </a:r>
-            <a:r>
-              <a:rPr lang="en-CA" sz="2000" dirty="0" smtClean="0"/>
-              <a:t>.</a:t>
+              <a:t>It overcomes the issues with single decision trees by reducing the effect of noise.</a:t>
             </a:r>
           </a:p>
           <a:p>
@@ -30230,82 +29917,28 @@
             </a:r>
             <a:r>
               <a:rPr lang="en-CA" sz="2000" dirty="0"/>
-              <a:t>by </a:t>
-            </a:r>
-            <a:r>
-              <a:rPr lang="en-CA" sz="2000" dirty="0" smtClean="0"/>
-              <a:t>taking </a:t>
-            </a:r>
-            <a:r>
-              <a:rPr lang="en-CA" sz="2000" b="1" dirty="0" smtClean="0"/>
-              <a:t>average </a:t>
+              <a:t>by taking </a:t>
             </a:r>
             <a:r>
               <a:rPr lang="en-CA" sz="2000" b="1" dirty="0"/>
-              <a:t>of all the predictions</a:t>
+              <a:t>average of all the predictions</a:t>
             </a:r>
             <a:r>
               <a:rPr lang="en-CA" sz="2000" dirty="0"/>
-              <a:t>, </a:t>
+              <a:t>, canceling out biases.</a:t>
             </a:r>
-            <a:r>
-              <a:rPr lang="en-CA" sz="2000" dirty="0" smtClean="0"/>
-              <a:t>canceling out biases.</a:t>
-            </a:r>
-            <a:endParaRPr lang="en-CA" sz="2000" dirty="0"/>
           </a:p>
           <a:p>
             <a:r>
               <a:rPr lang="en-CA" sz="2000" dirty="0"/>
-              <a:t>Suppose training </a:t>
+              <a:t>Suppose training set: [X1, X2, X3, X4] with labels: [L1, L2, L3, L4]</a:t>
             </a:r>
-            <a:r>
-              <a:rPr lang="en-CA" sz="2000" dirty="0" smtClean="0"/>
-              <a:t>set: [X1</a:t>
-            </a:r>
+          </a:p>
+          <a:p>
             <a:r>
               <a:rPr lang="en-CA" sz="2000" dirty="0"/>
-              <a:t>, X2, X3, X4] </a:t>
+              <a:t>Random forest creates three decision trees taking inputs as follows:</a:t>
             </a:r>
-            <a:r>
-              <a:rPr lang="en-CA" sz="2000" dirty="0" smtClean="0"/>
-              <a:t>with labels: [L1</a:t>
-            </a:r>
-            <a:r>
-              <a:rPr lang="en-CA" sz="2000" dirty="0"/>
-              <a:t>, L2, L3, </a:t>
-            </a:r>
-            <a:r>
-              <a:rPr lang="en-CA" sz="2000" dirty="0" smtClean="0"/>
-              <a:t>L4]</a:t>
-            </a:r>
-          </a:p>
-          <a:p>
-            <a:r>
-              <a:rPr lang="en-CA" sz="2000" dirty="0"/>
-              <a:t>R</a:t>
-            </a:r>
-            <a:r>
-              <a:rPr lang="en-CA" sz="2000" dirty="0" smtClean="0"/>
-              <a:t>andom </a:t>
-            </a:r>
-            <a:r>
-              <a:rPr lang="en-CA" sz="2000" dirty="0"/>
-              <a:t>forest </a:t>
-            </a:r>
-            <a:r>
-              <a:rPr lang="en-CA" sz="2000" dirty="0" smtClean="0"/>
-              <a:t>creates </a:t>
-            </a:r>
-            <a:r>
-              <a:rPr lang="en-CA" sz="2000" dirty="0"/>
-              <a:t>three decision trees taking </a:t>
-            </a:r>
-            <a:r>
-              <a:rPr lang="en-CA" sz="2000" dirty="0" smtClean="0"/>
-              <a:t>inputs as follows:</a:t>
-            </a:r>
-            <a:endParaRPr lang="en-CA" sz="2000" dirty="0"/>
           </a:p>
           <a:p>
             <a:pPr lvl="1">
@@ -30314,28 +29947,12 @@
             </a:pPr>
             <a:r>
               <a:rPr lang="en-CA" sz="2000" dirty="0"/>
-              <a:t>[X1, X2, </a:t>
+              <a:t>[X1, X2, X3], [X1, X2, X4], [X2, X3, X4]</a:t>
             </a:r>
-            <a:r>
-              <a:rPr lang="en-CA" sz="2000" dirty="0" smtClean="0"/>
-              <a:t>X3], [X1</a:t>
-            </a:r>
+          </a:p>
+          <a:p>
             <a:r>
               <a:rPr lang="en-CA" sz="2000" dirty="0"/>
-              <a:t>, X2, X4</a:t>
-            </a:r>
-            <a:r>
-              <a:rPr lang="en-CA" sz="2000" dirty="0" smtClean="0"/>
-              <a:t>], [</a:t>
-            </a:r>
-            <a:r>
-              <a:rPr lang="en-CA" sz="2000" dirty="0"/>
-              <a:t>X2, X3, X4]</a:t>
-            </a:r>
-          </a:p>
-          <a:p>
-            <a:r>
-              <a:rPr lang="en-CA" sz="2000" dirty="0" smtClean="0"/>
               <a:t>Example: Combining votes from a pool of experts, each will bring their own experience and background to solve the problem resulting in a better outcome. </a:t>
             </a:r>
           </a:p>
@@ -30499,10 +30116,9 @@
           <a:p>
             <a:pPr algn="ctr"/>
             <a:r>
-              <a:rPr lang="en-CA" dirty="0" smtClean="0"/>
+              <a:rPr lang="en-CA" dirty="0"/>
               <a:t>Complete Training set</a:t>
             </a:r>
-            <a:endParaRPr lang="en-CA" dirty="0"/>
           </a:p>
         </p:txBody>
       </p:sp>
@@ -30658,17 +30274,16 @@
           <a:p>
             <a:pPr algn="ctr"/>
             <a:r>
-              <a:rPr lang="en-CA" sz="1600" dirty="0" smtClean="0"/>
+              <a:rPr lang="en-CA" sz="1600" dirty="0"/>
               <a:t>Training </a:t>
             </a:r>
           </a:p>
           <a:p>
             <a:pPr algn="ctr"/>
             <a:r>
-              <a:rPr lang="en-CA" sz="1600" dirty="0" smtClean="0"/>
+              <a:rPr lang="en-CA" sz="1600" dirty="0"/>
               <a:t>set #1</a:t>
             </a:r>
-            <a:endParaRPr lang="en-CA" sz="1600" dirty="0"/>
           </a:p>
         </p:txBody>
       </p:sp>
@@ -30824,17 +30439,16 @@
           <a:p>
             <a:pPr algn="ctr"/>
             <a:r>
-              <a:rPr lang="en-CA" sz="1600" dirty="0" smtClean="0"/>
+              <a:rPr lang="en-CA" sz="1600" dirty="0"/>
               <a:t>Training </a:t>
             </a:r>
           </a:p>
           <a:p>
             <a:pPr algn="ctr"/>
             <a:r>
-              <a:rPr lang="en-CA" sz="1600" dirty="0" smtClean="0"/>
+              <a:rPr lang="en-CA" sz="1600" dirty="0"/>
               <a:t>set #2</a:t>
             </a:r>
-            <a:endParaRPr lang="en-CA" sz="1600" dirty="0"/>
           </a:p>
         </p:txBody>
       </p:sp>
@@ -30990,17 +30604,16 @@
           <a:p>
             <a:pPr algn="ctr"/>
             <a:r>
-              <a:rPr lang="en-CA" sz="1600" dirty="0" smtClean="0"/>
+              <a:rPr lang="en-CA" sz="1600" dirty="0"/>
               <a:t>Training </a:t>
             </a:r>
           </a:p>
           <a:p>
             <a:pPr algn="ctr"/>
             <a:r>
-              <a:rPr lang="en-CA" sz="1600" dirty="0" smtClean="0"/>
+              <a:rPr lang="en-CA" sz="1600" dirty="0"/>
               <a:t>set #3</a:t>
             </a:r>
-            <a:endParaRPr lang="en-CA" sz="1600" dirty="0"/>
           </a:p>
         </p:txBody>
       </p:sp>
@@ -31156,10 +30769,9 @@
           <a:p>
             <a:pPr algn="ctr"/>
             <a:r>
-              <a:rPr lang="en-CA" sz="1600" dirty="0" smtClean="0"/>
+              <a:rPr lang="en-CA" sz="1600" dirty="0"/>
               <a:t>Decision Tree #1</a:t>
             </a:r>
-            <a:endParaRPr lang="en-CA" sz="1600" dirty="0"/>
           </a:p>
         </p:txBody>
       </p:sp>
@@ -31316,13 +30928,8 @@
             <a:pPr algn="ctr"/>
             <a:r>
               <a:rPr lang="en-CA" sz="1600" dirty="0"/>
-              <a:t>Decision Tree </a:t>
+              <a:t>Decision Tree #2</a:t>
             </a:r>
-            <a:r>
-              <a:rPr lang="en-CA" sz="1600" dirty="0" smtClean="0"/>
-              <a:t>#2</a:t>
-            </a:r>
-            <a:endParaRPr lang="en-CA" sz="1600" dirty="0"/>
           </a:p>
         </p:txBody>
       </p:sp>
@@ -31479,13 +31086,8 @@
             <a:pPr algn="ctr"/>
             <a:r>
               <a:rPr lang="en-CA" sz="1600" dirty="0"/>
-              <a:t>Decision Tree </a:t>
+              <a:t>Decision Tree #3</a:t>
             </a:r>
-            <a:r>
-              <a:rPr lang="en-CA" sz="1600" dirty="0" smtClean="0"/>
-              <a:t>#3</a:t>
-            </a:r>
-            <a:endParaRPr lang="en-CA" sz="1600" dirty="0"/>
           </a:p>
         </p:txBody>
       </p:sp>
@@ -32448,10 +32050,9 @@
           <a:p>
             <a:pPr algn="ctr"/>
             <a:r>
-              <a:rPr lang="en-CA" dirty="0" smtClean="0"/>
+              <a:rPr lang="en-CA" dirty="0"/>
               <a:t>VOTING</a:t>
             </a:r>
-            <a:endParaRPr lang="en-CA" dirty="0"/>
           </a:p>
         </p:txBody>
       </p:sp>
@@ -32599,13 +32200,6 @@
   <p:clrMapOvr>
     <a:masterClrMapping/>
   </p:clrMapOvr>
-  <p:timing>
-    <p:tnLst>
-      <p:par>
-        <p:cTn id="1" dur="indefinite" restart="never" nodeType="tmRoot"/>
-      </p:par>
-    </p:tnLst>
-  </p:timing>
 </p:sld>
 </file>
 
@@ -32650,7 +32244,7 @@
           <a:p>
             <a:pPr algn="ctr"/>
             <a:r>
-              <a:rPr lang="en-US" sz="5400" b="0" cap="none" spc="0" dirty="0" smtClean="0">
+              <a:rPr lang="en-US" sz="5400" b="0" cap="none" spc="0" dirty="0">
                 <a:ln w="0"/>
                 <a:solidFill>
                   <a:schemeClr val="accent1"/>
@@ -32665,19 +32259,6 @@
               </a:rPr>
               <a:t>Objective</a:t>
             </a:r>
-            <a:endParaRPr lang="en-US" sz="5400" b="0" cap="none" spc="0" dirty="0">
-              <a:ln w="0"/>
-              <a:solidFill>
-                <a:schemeClr val="accent1"/>
-              </a:solidFill>
-              <a:effectLst>
-                <a:outerShdw blurRad="38100" dist="25400" dir="5400000" algn="ctr" rotWithShape="0">
-                  <a:srgbClr val="6E747A">
-                    <a:alpha val="43000"/>
-                  </a:srgbClr>
-                </a:outerShdw>
-              </a:effectLst>
-            </a:endParaRPr>
           </a:p>
         </p:txBody>
       </p:sp>
@@ -32702,7 +32283,7 @@
           </a:bodyPr>
           <a:lstStyle/>
           <a:p>
-            <a:endParaRPr lang="en-US" sz="2800" dirty="0" smtClean="0">
+            <a:endParaRPr lang="en-US" sz="2800" dirty="0">
               <a:solidFill>
                 <a:schemeClr val="accent1">
                   <a:lumMod val="50000"/>
@@ -32716,37 +32297,17 @@
               <a:buChar char="-"/>
             </a:pPr>
             <a:r>
-              <a:rPr lang="en-US" sz="2800" dirty="0" smtClean="0">
+              <a:rPr lang="en-US" sz="2800" dirty="0">
                 <a:solidFill>
                   <a:schemeClr val="accent1">
                     <a:lumMod val="50000"/>
                   </a:schemeClr>
                 </a:solidFill>
               </a:rPr>
-              <a:t>The </a:t>
+              <a:t>The objective is to discover insights into consumer reviews and perform </a:t>
             </a:r>
             <a:r>
-              <a:rPr lang="en-US" sz="2800" dirty="0">
-                <a:solidFill>
-                  <a:schemeClr val="accent1">
-                    <a:lumMod val="50000"/>
-                  </a:schemeClr>
-                </a:solidFill>
-              </a:rPr>
-              <a:t>objective is to discover insights into consumer reviews and </a:t>
-            </a:r>
-            <a:r>
-              <a:rPr lang="en-US" sz="2800" dirty="0" smtClean="0">
-                <a:solidFill>
-                  <a:schemeClr val="accent1">
-                    <a:lumMod val="50000"/>
-                  </a:schemeClr>
-                </a:solidFill>
-              </a:rPr>
-              <a:t>perform </a:t>
-            </a:r>
-            <a:r>
-              <a:rPr lang="en-US" sz="2800" b="1" dirty="0" smtClean="0">
+              <a:rPr lang="en-US" sz="2800" b="1" dirty="0">
                 <a:solidFill>
                   <a:schemeClr val="accent1">
                     <a:lumMod val="50000"/>
@@ -32756,34 +32317,14 @@
               <a:t>Sentiment Analysis</a:t>
             </a:r>
             <a:r>
-              <a:rPr lang="en-US" sz="2800" dirty="0" smtClean="0">
+              <a:rPr lang="en-US" sz="2800" dirty="0">
                 <a:solidFill>
                   <a:schemeClr val="accent1">
                     <a:lumMod val="50000"/>
                   </a:schemeClr>
                 </a:solidFill>
               </a:rPr>
-              <a:t> </a:t>
-            </a:r>
-            <a:r>
-              <a:rPr lang="en-US" sz="2800" dirty="0">
-                <a:solidFill>
-                  <a:schemeClr val="accent1">
-                    <a:lumMod val="50000"/>
-                  </a:schemeClr>
-                </a:solidFill>
-              </a:rPr>
-              <a:t>on the </a:t>
-            </a:r>
-            <a:r>
-              <a:rPr lang="en-US" sz="2800" dirty="0" smtClean="0">
-                <a:solidFill>
-                  <a:schemeClr val="accent1">
-                    <a:lumMod val="50000"/>
-                  </a:schemeClr>
-                </a:solidFill>
-              </a:rPr>
-              <a:t>data.</a:t>
+              <a:t> on the data.</a:t>
             </a:r>
           </a:p>
           <a:p>
@@ -32812,17 +32353,7 @@
                   </a:schemeClr>
                 </a:solidFill>
               </a:rPr>
-              <a:t>Dataset consists of 3000 Amazon customer reviews, star ratings, date of review, variant and feedback of various amazon Alexa products like Alexa Echo, Echo dots</a:t>
-            </a:r>
-            <a:r>
-              <a:rPr lang="en-US" sz="2800" dirty="0" smtClean="0">
-                <a:solidFill>
-                  <a:schemeClr val="accent1">
-                    <a:lumMod val="50000"/>
-                  </a:schemeClr>
-                </a:solidFill>
-              </a:rPr>
-              <a:t>.</a:t>
+              <a:t>Dataset consists of 3000 Amazon customer reviews, star ratings, date of review, variant and feedback of various amazon Alexa products like Alexa Echo, Echo dots.</a:t>
             </a:r>
           </a:p>
           <a:p>
@@ -32844,24 +32375,14 @@
               <a:buChar char="-"/>
             </a:pPr>
             <a:r>
-              <a:rPr lang="en-US" sz="2800" dirty="0" smtClean="0">
+              <a:rPr lang="en-US" sz="2800" dirty="0">
                 <a:solidFill>
                   <a:schemeClr val="accent1">
                     <a:lumMod val="50000"/>
                   </a:schemeClr>
                 </a:solidFill>
               </a:rPr>
-              <a:t>Dataset</a:t>
-            </a:r>
-            <a:r>
-              <a:rPr lang="en-US" sz="2800" dirty="0">
-                <a:solidFill>
-                  <a:schemeClr val="accent1">
-                    <a:lumMod val="50000"/>
-                  </a:schemeClr>
-                </a:solidFill>
-              </a:rPr>
-              <a:t>: www.kaggle.com/sid321axn/amazon-alexa-reviews</a:t>
+              <a:t>Dataset: www.kaggle.com/sid321axn/amazon-alexa-reviews</a:t>
             </a:r>
           </a:p>
         </p:txBody>
@@ -32876,13 +32397,6 @@
   <p:clrMapOvr>
     <a:masterClrMapping/>
   </p:clrMapOvr>
-  <p:timing>
-    <p:tnLst>
-      <p:par>
-        <p:cTn id="1" dur="indefinite" restart="never" nodeType="tmRoot"/>
-      </p:par>
-    </p:tnLst>
-  </p:timing>
 </p:sld>
 </file>
 
@@ -32927,7 +32441,7 @@
           <a:p>
             <a:pPr algn="ctr"/>
             <a:r>
-              <a:rPr lang="en-US" sz="5400" b="0" cap="none" spc="0" dirty="0" err="1" smtClean="0">
+              <a:rPr lang="en-US" sz="5400" b="0" cap="none" spc="0" dirty="0" err="1">
                 <a:ln w="0"/>
                 <a:solidFill>
                   <a:schemeClr val="accent1"/>
@@ -32943,7 +32457,7 @@
               <a:t>DataSet</a:t>
             </a:r>
             <a:r>
-              <a:rPr lang="en-US" sz="5400" b="0" cap="none" spc="0" dirty="0" smtClean="0">
+              <a:rPr lang="en-US" sz="5400" b="0" cap="none" spc="0" dirty="0">
                 <a:ln w="0"/>
                 <a:solidFill>
                   <a:schemeClr val="accent1"/>
@@ -32958,19 +32472,6 @@
               </a:rPr>
               <a:t> Information</a:t>
             </a:r>
-            <a:endParaRPr lang="en-US" sz="5400" b="0" cap="none" spc="0" dirty="0">
-              <a:ln w="0"/>
-              <a:solidFill>
-                <a:schemeClr val="accent1"/>
-              </a:solidFill>
-              <a:effectLst>
-                <a:outerShdw blurRad="38100" dist="25400" dir="5400000" algn="ctr" rotWithShape="0">
-                  <a:srgbClr val="6E747A">
-                    <a:alpha val="43000"/>
-                  </a:srgbClr>
-                </a:outerShdw>
-              </a:effectLst>
-            </a:endParaRPr>
           </a:p>
         </p:txBody>
       </p:sp>
@@ -32997,7 +32498,7 @@
           <a:lstStyle/>
           <a:p>
             <a:r>
-              <a:rPr lang="en-US" dirty="0" smtClean="0">
+              <a:rPr lang="en-US" dirty="0">
                 <a:solidFill>
                   <a:schemeClr val="accent1">
                     <a:lumMod val="50000"/>
@@ -33007,7 +32508,7 @@
               <a:t>Information in </a:t>
             </a:r>
             <a:r>
-              <a:rPr lang="en-US" dirty="0" err="1" smtClean="0">
+              <a:rPr lang="en-US" dirty="0" err="1">
                 <a:solidFill>
                   <a:schemeClr val="accent1">
                     <a:lumMod val="50000"/>
@@ -33017,7 +32518,7 @@
               <a:t>DataSet</a:t>
             </a:r>
             <a:r>
-              <a:rPr lang="en-US" dirty="0" smtClean="0">
+              <a:rPr lang="en-US" dirty="0">
                 <a:solidFill>
                   <a:schemeClr val="accent1">
                     <a:lumMod val="50000"/>
@@ -33029,24 +32530,14 @@
           </a:p>
           <a:p>
             <a:r>
-              <a:rPr lang="en-US" dirty="0" smtClean="0">
+              <a:rPr lang="en-US" dirty="0">
                 <a:solidFill>
                   <a:schemeClr val="accent1">
                     <a:lumMod val="50000"/>
                   </a:schemeClr>
                 </a:solidFill>
               </a:rPr>
-              <a:t>	'rating</a:t>
-            </a:r>
-            <a:r>
-              <a:rPr lang="en-US" dirty="0">
-                <a:solidFill>
-                  <a:schemeClr val="accent1">
-                    <a:lumMod val="50000"/>
-                  </a:schemeClr>
-                </a:solidFill>
-              </a:rPr>
-              <a:t>', 'date', 'variation', '</a:t>
+              <a:t>	'rating', 'date', 'variation', '</a:t>
             </a:r>
             <a:r>
               <a:rPr lang="en-US" dirty="0" err="1">
@@ -33066,17 +32557,7 @@
                   </a:schemeClr>
                 </a:solidFill>
               </a:rPr>
-              <a:t>', </a:t>
-            </a:r>
-            <a:r>
-              <a:rPr lang="en-US" dirty="0" smtClean="0">
-                <a:solidFill>
-                  <a:schemeClr val="accent1">
-                    <a:lumMod val="50000"/>
-                  </a:schemeClr>
-                </a:solidFill>
-              </a:rPr>
-              <a:t>'feedback‘</a:t>
+              <a:t>', 'feedback‘</a:t>
             </a:r>
           </a:p>
           <a:p>
@@ -33090,7 +32571,7 @@
           </a:p>
           <a:p>
             <a:r>
-              <a:rPr lang="en-US" b="1" dirty="0" smtClean="0">
+              <a:rPr lang="en-US" b="1" dirty="0">
                 <a:solidFill>
                   <a:schemeClr val="accent1">
                     <a:lumMod val="50000"/>
@@ -33149,11 +32630,11 @@
                     <a:lstStyle/>
                     <a:p>
                       <a:r>
-                        <a:rPr lang="en-US" dirty="0" smtClean="0"/>
+                        <a:rPr lang="en-US" dirty="0"/>
                         <a:t>Field</a:t>
                       </a:r>
                       <a:r>
-                        <a:rPr lang="en-US" baseline="0" dirty="0" smtClean="0"/>
+                        <a:rPr lang="en-US" baseline="0" dirty="0"/>
                         <a:t> Name</a:t>
                       </a:r>
                       <a:endParaRPr lang="en-US" dirty="0"/>
@@ -33167,10 +32648,9 @@
                     <a:lstStyle/>
                     <a:p>
                       <a:r>
-                        <a:rPr lang="en-US" dirty="0" smtClean="0"/>
+                        <a:rPr lang="en-US" dirty="0"/>
                         <a:t>Count</a:t>
                       </a:r>
-                      <a:endParaRPr lang="en-US" dirty="0"/>
                     </a:p>
                   </a:txBody>
                   <a:tcPr/>
@@ -33188,10 +32668,9 @@
                     <a:lstStyle/>
                     <a:p>
                       <a:r>
-                        <a:rPr lang="en-US" dirty="0" smtClean="0"/>
+                        <a:rPr lang="en-US" dirty="0"/>
                         <a:t>Rating</a:t>
                       </a:r>
-                      <a:endParaRPr lang="en-US" dirty="0"/>
                     </a:p>
                   </a:txBody>
                   <a:tcPr/>
@@ -33202,10 +32681,9 @@
                     <a:lstStyle/>
                     <a:p>
                       <a:r>
-                        <a:rPr lang="en-US" dirty="0" smtClean="0"/>
+                        <a:rPr lang="en-US" dirty="0"/>
                         <a:t>3150</a:t>
                       </a:r>
-                      <a:endParaRPr lang="en-US" dirty="0"/>
                     </a:p>
                   </a:txBody>
                   <a:tcPr/>
@@ -33223,10 +32701,9 @@
                     <a:lstStyle/>
                     <a:p>
                       <a:r>
-                        <a:rPr lang="en-US" dirty="0" smtClean="0"/>
+                        <a:rPr lang="en-US" dirty="0"/>
                         <a:t>Date</a:t>
                       </a:r>
-                      <a:endParaRPr lang="en-US" dirty="0"/>
                     </a:p>
                   </a:txBody>
                   <a:tcPr/>
@@ -33237,10 +32714,9 @@
                     <a:lstStyle/>
                     <a:p>
                       <a:r>
-                        <a:rPr lang="en-US" dirty="0" smtClean="0"/>
+                        <a:rPr lang="en-US" dirty="0"/>
                         <a:t>3150</a:t>
                       </a:r>
-                      <a:endParaRPr lang="en-US" dirty="0"/>
                     </a:p>
                   </a:txBody>
                   <a:tcPr/>
@@ -33258,10 +32734,9 @@
                     <a:lstStyle/>
                     <a:p>
                       <a:r>
-                        <a:rPr lang="en-US" dirty="0" smtClean="0"/>
+                        <a:rPr lang="en-US" dirty="0"/>
                         <a:t>Variation</a:t>
                       </a:r>
-                      <a:endParaRPr lang="en-US" dirty="0"/>
                     </a:p>
                   </a:txBody>
                   <a:tcPr/>
@@ -33272,10 +32747,9 @@
                     <a:lstStyle/>
                     <a:p>
                       <a:r>
-                        <a:rPr lang="en-US" dirty="0" smtClean="0"/>
+                        <a:rPr lang="en-US" dirty="0"/>
                         <a:t>3150</a:t>
                       </a:r>
-                      <a:endParaRPr lang="en-US" dirty="0"/>
                     </a:p>
                   </a:txBody>
                   <a:tcPr/>
@@ -33293,7 +32767,7 @@
                     <a:lstStyle/>
                     <a:p>
                       <a:r>
-                        <a:rPr lang="en-US" dirty="0" err="1" smtClean="0"/>
+                        <a:rPr lang="en-US" dirty="0" err="1"/>
                         <a:t>Verified_Reviews</a:t>
                       </a:r>
                       <a:endParaRPr lang="en-US" dirty="0"/>
@@ -33307,10 +32781,9 @@
                     <a:lstStyle/>
                     <a:p>
                       <a:r>
-                        <a:rPr lang="en-US" dirty="0" smtClean="0"/>
+                        <a:rPr lang="en-US" dirty="0"/>
                         <a:t>3150</a:t>
                       </a:r>
-                      <a:endParaRPr lang="en-US" dirty="0"/>
                     </a:p>
                   </a:txBody>
                   <a:tcPr/>
@@ -33328,10 +32801,9 @@
                     <a:lstStyle/>
                     <a:p>
                       <a:r>
-                        <a:rPr lang="en-US" dirty="0" smtClean="0"/>
+                        <a:rPr lang="en-US" dirty="0"/>
                         <a:t>Feedback</a:t>
                       </a:r>
-                      <a:endParaRPr lang="en-US" dirty="0"/>
                     </a:p>
                   </a:txBody>
                   <a:tcPr/>
@@ -33342,10 +32814,9 @@
                     <a:lstStyle/>
                     <a:p>
                       <a:r>
-                        <a:rPr lang="en-US" dirty="0" smtClean="0"/>
+                        <a:rPr lang="en-US" dirty="0"/>
                         <a:t>3150</a:t>
                       </a:r>
-                      <a:endParaRPr lang="en-US" dirty="0"/>
                     </a:p>
                   </a:txBody>
                   <a:tcPr/>
@@ -33370,13 +32841,6 @@
   <p:clrMapOvr>
     <a:masterClrMapping/>
   </p:clrMapOvr>
-  <p:timing>
-    <p:tnLst>
-      <p:par>
-        <p:cTn id="1" dur="indefinite" restart="never" nodeType="tmRoot"/>
-      </p:par>
-    </p:tnLst>
-  </p:timing>
 </p:sld>
 </file>
 
@@ -33419,7 +32883,7 @@
           <a:lstStyle/>
           <a:p>
             <a:r>
-              <a:rPr lang="en-US" sz="2000" b="1" dirty="0" smtClean="0">
+              <a:rPr lang="en-US" sz="2000" b="1" dirty="0">
                 <a:solidFill>
                   <a:schemeClr val="accent1">
                     <a:lumMod val="50000"/>
@@ -33440,34 +32904,14 @@
           </a:p>
           <a:p>
             <a:r>
-              <a:rPr lang="en-US" dirty="0" smtClean="0">
+              <a:rPr lang="en-US" dirty="0">
                 <a:solidFill>
                   <a:schemeClr val="accent1">
                     <a:lumMod val="50000"/>
                   </a:schemeClr>
                 </a:solidFill>
               </a:rPr>
-              <a:t>The Alexa Products considered are: 'Charcoal </a:t>
-            </a:r>
-            <a:r>
-              <a:rPr lang="en-US" dirty="0">
-                <a:solidFill>
-                  <a:schemeClr val="accent1">
-                    <a:lumMod val="50000"/>
-                  </a:schemeClr>
-                </a:solidFill>
-              </a:rPr>
-              <a:t>Fabric ', 'Walnut Finish ', 'Heather Gray Fabric ', 'Sandstone Fabric ', 'Oak Finish ', 'Black', 'White', 'Black Spot', 'White Spot', 'Black Show', 'White Show', 'Black Plus', 'White Plus', 'Configuration: Fire TV Stick', 'Black Dot', 'White </a:t>
-            </a:r>
-            <a:r>
-              <a:rPr lang="en-US" dirty="0" smtClean="0">
-                <a:solidFill>
-                  <a:schemeClr val="accent1">
-                    <a:lumMod val="50000"/>
-                  </a:schemeClr>
-                </a:solidFill>
-              </a:rPr>
-              <a:t>Dot‘</a:t>
+              <a:t>The Alexa Products considered are: 'Charcoal Fabric ', 'Walnut Finish ', 'Heather Gray Fabric ', 'Sandstone Fabric ', 'Oak Finish ', 'Black', 'White', 'Black Spot', 'White Spot', 'Black Show', 'White Show', 'Black Plus', 'White Plus', 'Configuration: Fire TV Stick', 'Black Dot', 'White Dot‘</a:t>
             </a:r>
           </a:p>
           <a:p>
@@ -33481,7 +32925,7 @@
           </a:p>
           <a:p>
             <a:r>
-              <a:rPr lang="en-US" b="1" dirty="0" smtClean="0">
+              <a:rPr lang="en-US" b="1" dirty="0">
                 <a:solidFill>
                   <a:schemeClr val="accent1">
                     <a:lumMod val="50000"/>
@@ -33517,7 +32961,7 @@
           <a:p>
             <a:pPr algn="ctr"/>
             <a:r>
-              <a:rPr lang="en-US" sz="5400" b="0" cap="none" spc="0" dirty="0" err="1" smtClean="0">
+              <a:rPr lang="en-US" sz="5400" b="0" cap="none" spc="0" dirty="0" err="1">
                 <a:ln w="0"/>
                 <a:solidFill>
                   <a:schemeClr val="accent1"/>
@@ -33533,7 +32977,7 @@
               <a:t>DataSet</a:t>
             </a:r>
             <a:r>
-              <a:rPr lang="en-US" sz="5400" b="0" cap="none" spc="0" dirty="0" smtClean="0">
+              <a:rPr lang="en-US" sz="5400" b="0" cap="none" spc="0" dirty="0">
                 <a:ln w="0"/>
                 <a:solidFill>
                   <a:schemeClr val="accent1"/>
@@ -33548,19 +32992,6 @@
               </a:rPr>
               <a:t> Information</a:t>
             </a:r>
-            <a:endParaRPr lang="en-US" sz="5400" b="0" cap="none" spc="0" dirty="0">
-              <a:ln w="0"/>
-              <a:solidFill>
-                <a:schemeClr val="accent1"/>
-              </a:solidFill>
-              <a:effectLst>
-                <a:outerShdw blurRad="38100" dist="25400" dir="5400000" algn="ctr" rotWithShape="0">
-                  <a:srgbClr val="6E747A">
-                    <a:alpha val="43000"/>
-                  </a:srgbClr>
-                </a:outerShdw>
-              </a:effectLst>
-            </a:endParaRPr>
           </a:p>
         </p:txBody>
       </p:sp>
@@ -33604,13 +33035,6 @@
   <p:clrMapOvr>
     <a:masterClrMapping/>
   </p:clrMapOvr>
-  <p:timing>
-    <p:tnLst>
-      <p:par>
-        <p:cTn id="1" dur="indefinite" restart="never" nodeType="tmRoot"/>
-      </p:par>
-    </p:tnLst>
-  </p:timing>
 </p:sld>
 </file>
 
@@ -33655,7 +33079,7 @@
           <a:p>
             <a:pPr algn="ctr"/>
             <a:r>
-              <a:rPr lang="en-US" sz="5400" b="0" cap="none" spc="0" dirty="0" smtClean="0">
+              <a:rPr lang="en-US" sz="5400" b="0" cap="none" spc="0" dirty="0">
                 <a:ln w="0"/>
                 <a:solidFill>
                   <a:schemeClr val="accent1"/>
@@ -33670,19 +33094,6 @@
               </a:rPr>
               <a:t>Count Plots</a:t>
             </a:r>
-            <a:endParaRPr lang="en-US" sz="5400" b="0" cap="none" spc="0" dirty="0">
-              <a:ln w="0"/>
-              <a:solidFill>
-                <a:schemeClr val="accent1"/>
-              </a:solidFill>
-              <a:effectLst>
-                <a:outerShdw blurRad="38100" dist="25400" dir="5400000" algn="ctr" rotWithShape="0">
-                  <a:srgbClr val="6E747A">
-                    <a:alpha val="43000"/>
-                  </a:srgbClr>
-                </a:outerShdw>
-              </a:effectLst>
-            </a:endParaRPr>
           </a:p>
         </p:txBody>
       </p:sp>
@@ -33756,13 +33167,6 @@
   <p:clrMapOvr>
     <a:masterClrMapping/>
   </p:clrMapOvr>
-  <p:timing>
-    <p:tnLst>
-      <p:par>
-        <p:cTn id="1" dur="indefinite" restart="never" nodeType="tmRoot"/>
-      </p:par>
-    </p:tnLst>
-  </p:timing>
 </p:sld>
 </file>
 
@@ -33807,7 +33211,7 @@
           <a:p>
             <a:pPr algn="ctr"/>
             <a:r>
-              <a:rPr lang="en-US" sz="5400" b="0" cap="none" spc="0" dirty="0" smtClean="0">
+              <a:rPr lang="en-US" sz="5400" b="0" cap="none" spc="0" dirty="0">
                 <a:ln w="0"/>
                 <a:solidFill>
                   <a:schemeClr val="accent1"/>
@@ -33822,19 +33226,6 @@
               </a:rPr>
               <a:t>Rating Distributions</a:t>
             </a:r>
-            <a:endParaRPr lang="en-US" sz="5400" b="0" cap="none" spc="0" dirty="0">
-              <a:ln w="0"/>
-              <a:solidFill>
-                <a:schemeClr val="accent1"/>
-              </a:solidFill>
-              <a:effectLst>
-                <a:outerShdw blurRad="38100" dist="25400" dir="5400000" algn="ctr" rotWithShape="0">
-                  <a:srgbClr val="6E747A">
-                    <a:alpha val="43000"/>
-                  </a:srgbClr>
-                </a:outerShdw>
-              </a:effectLst>
-            </a:endParaRPr>
           </a:p>
         </p:txBody>
       </p:sp>
@@ -33878,13 +33269,6 @@
   <p:clrMapOvr>
     <a:masterClrMapping/>
   </p:clrMapOvr>
-  <p:timing>
-    <p:tnLst>
-      <p:par>
-        <p:cTn id="1" dur="indefinite" restart="never" nodeType="tmRoot"/>
-      </p:par>
-    </p:tnLst>
-  </p:timing>
 </p:sld>
 </file>
 
@@ -33959,7 +33343,7 @@
           <a:p>
             <a:pPr algn="ctr"/>
             <a:r>
-              <a:rPr lang="en-US" sz="5400" b="0" cap="none" spc="0" dirty="0" smtClean="0">
+              <a:rPr lang="en-US" sz="5400" b="0" cap="none" spc="0" dirty="0">
                 <a:ln w="0"/>
                 <a:solidFill>
                   <a:schemeClr val="accent1"/>
@@ -33974,19 +33358,6 @@
               </a:rPr>
               <a:t>Rating Variations</a:t>
             </a:r>
-            <a:endParaRPr lang="en-US" sz="5400" b="0" cap="none" spc="0" dirty="0">
-              <a:ln w="0"/>
-              <a:solidFill>
-                <a:schemeClr val="accent1"/>
-              </a:solidFill>
-              <a:effectLst>
-                <a:outerShdw blurRad="38100" dist="25400" dir="5400000" algn="ctr" rotWithShape="0">
-                  <a:srgbClr val="6E747A">
-                    <a:alpha val="43000"/>
-                  </a:srgbClr>
-                </a:outerShdw>
-              </a:effectLst>
-            </a:endParaRPr>
           </a:p>
         </p:txBody>
       </p:sp>
@@ -34000,13 +33371,6 @@
   <p:clrMapOvr>
     <a:masterClrMapping/>
   </p:clrMapOvr>
-  <p:timing>
-    <p:tnLst>
-      <p:par>
-        <p:cTn id="1" dur="indefinite" restart="never" nodeType="tmRoot"/>
-      </p:par>
-    </p:tnLst>
-  </p:timing>
 </p:sld>
 </file>
 
@@ -34051,7 +33415,7 @@
           <a:p>
             <a:pPr algn="ctr"/>
             <a:r>
-              <a:rPr lang="en-US" sz="5400" b="0" cap="none" spc="0" dirty="0" smtClean="0">
+              <a:rPr lang="en-US" sz="5400" b="0" cap="none" spc="0" dirty="0">
                 <a:ln w="0"/>
                 <a:solidFill>
                   <a:schemeClr val="accent1"/>
@@ -34066,94 +33430,74 @@
               </a:rPr>
               <a:t>Training Model</a:t>
             </a:r>
-            <a:endParaRPr lang="en-US" sz="5400" b="0" cap="none" spc="0" dirty="0">
-              <a:ln w="0"/>
-              <a:solidFill>
-                <a:schemeClr val="accent1"/>
-              </a:solidFill>
-              <a:effectLst>
-                <a:outerShdw blurRad="38100" dist="25400" dir="5400000" algn="ctr" rotWithShape="0">
-                  <a:srgbClr val="6E747A">
-                    <a:alpha val="43000"/>
-                  </a:srgbClr>
-                </a:outerShdw>
-              </a:effectLst>
-            </a:endParaRPr>
+          </a:p>
+        </p:txBody>
+      </p:sp>
+      <p:sp>
+        <p:nvSpPr>
+          <p:cNvPr id="7" name="TextBox 6"/>
+          <p:cNvSpPr txBox="1"/>
+          <p:nvPr/>
+        </p:nvSpPr>
+        <p:spPr>
+          <a:xfrm>
+            <a:off x="326570" y="1345474"/>
+            <a:ext cx="8477796" cy="369332"/>
+          </a:xfrm>
+          <a:prstGeom prst="rect">
+            <a:avLst/>
+          </a:prstGeom>
+          <a:noFill/>
+        </p:spPr>
+        <p:txBody>
+          <a:bodyPr wrap="square" rtlCol="0">
+            <a:spAutoFit/>
+          </a:bodyPr>
+          <a:lstStyle/>
+          <a:p>
+            <a:r>
+              <a:rPr lang="en-US" dirty="0">
+                <a:solidFill>
+                  <a:schemeClr val="accent1">
+                    <a:lumMod val="50000"/>
+                  </a:schemeClr>
+                </a:solidFill>
+              </a:rPr>
+              <a:t>Random Forest Classifier training the data for 50 estimators</a:t>
+            </a:r>
           </a:p>
         </p:txBody>
       </p:sp>
       <p:pic>
         <p:nvPicPr>
-          <p:cNvPr id="6" name="Picture 5" descr="Screen Clipping"/>
+          <p:cNvPr id="3" name="Picture 2">
+            <a:extLst>
+              <a:ext uri="{FF2B5EF4-FFF2-40B4-BE49-F238E27FC236}">
+                <a16:creationId xmlns:a16="http://schemas.microsoft.com/office/drawing/2014/main" id="{895BBCBB-096D-8944-91E7-754DBF14A917}"/>
+              </a:ext>
+            </a:extLst>
+          </p:cNvPr>
           <p:cNvPicPr>
             <a:picLocks noChangeAspect="1"/>
           </p:cNvPicPr>
           <p:nvPr/>
         </p:nvPicPr>
         <p:blipFill>
-          <a:blip r:embed="rId2">
-            <a:extLst>
-              <a:ext uri="{28A0092B-C50C-407E-A947-70E740481C1C}">
-                <a14:useLocalDpi xmlns:a14="http://schemas.microsoft.com/office/drawing/2010/main" val="0"/>
-              </a:ext>
-            </a:extLst>
-          </a:blip>
+          <a:blip r:embed="rId2"/>
           <a:stretch>
             <a:fillRect/>
           </a:stretch>
         </p:blipFill>
         <p:spPr>
           <a:xfrm>
-            <a:off x="431180" y="1819465"/>
-            <a:ext cx="11129449" cy="2190832"/>
+            <a:off x="326570" y="1902704"/>
+            <a:ext cx="8775700" cy="1752600"/>
           </a:xfrm>
           <a:prstGeom prst="rect">
             <a:avLst/>
           </a:prstGeom>
         </p:spPr>
       </p:pic>
-      <p:sp>
-        <p:nvSpPr>
-          <p:cNvPr id="7" name="TextBox 6"/>
-          <p:cNvSpPr txBox="1"/>
-          <p:nvPr/>
-        </p:nvSpPr>
-        <p:spPr>
-          <a:xfrm>
-            <a:off x="326570" y="1345474"/>
-            <a:ext cx="8477796" cy="369332"/>
-          </a:xfrm>
-          <a:prstGeom prst="rect">
-            <a:avLst/>
-          </a:prstGeom>
-          <a:noFill/>
-        </p:spPr>
-        <p:txBody>
-          <a:bodyPr wrap="square" rtlCol="0">
-            <a:spAutoFit/>
-          </a:bodyPr>
-          <a:lstStyle/>
-          <a:p>
-            <a:r>
-              <a:rPr lang="en-US" dirty="0" smtClean="0">
-                <a:solidFill>
-                  <a:schemeClr val="accent1">
-                    <a:lumMod val="50000"/>
-                  </a:schemeClr>
-                </a:solidFill>
-              </a:rPr>
-              <a:t>Random Forest Classifier training the data for 100 estimators</a:t>
-            </a:r>
-            <a:endParaRPr lang="en-US" dirty="0">
-              <a:solidFill>
-                <a:schemeClr val="accent1">
-                  <a:lumMod val="50000"/>
-                </a:schemeClr>
-              </a:solidFill>
-            </a:endParaRPr>
-          </a:p>
-        </p:txBody>
-      </p:sp>
     </p:spTree>
     <p:extLst>
       <p:ext uri="{BB962C8B-B14F-4D97-AF65-F5344CB8AC3E}">
@@ -34164,13 +33508,6 @@
   <p:clrMapOvr>
     <a:masterClrMapping/>
   </p:clrMapOvr>
-  <p:timing>
-    <p:tnLst>
-      <p:par>
-        <p:cTn id="1" dur="indefinite" restart="never" nodeType="tmRoot"/>
-      </p:par>
-    </p:tnLst>
-  </p:timing>
 </p:sld>
 </file>
 
@@ -34215,7 +33552,7 @@
           <a:p>
             <a:pPr algn="ctr"/>
             <a:r>
-              <a:rPr lang="en-US" sz="5400" b="0" cap="none" spc="0" dirty="0" smtClean="0">
+              <a:rPr lang="en-US" sz="5400" b="0" cap="none" spc="0" dirty="0">
                 <a:ln w="0"/>
                 <a:solidFill>
                   <a:schemeClr val="accent1"/>
@@ -34230,19 +33567,6 @@
               </a:rPr>
               <a:t>Evaluating Model</a:t>
             </a:r>
-            <a:endParaRPr lang="en-US" sz="5400" b="0" cap="none" spc="0" dirty="0">
-              <a:ln w="0"/>
-              <a:solidFill>
-                <a:schemeClr val="accent1"/>
-              </a:solidFill>
-              <a:effectLst>
-                <a:outerShdw blurRad="38100" dist="25400" dir="5400000" algn="ctr" rotWithShape="0">
-                  <a:srgbClr val="6E747A">
-                    <a:alpha val="43000"/>
-                  </a:srgbClr>
-                </a:outerShdw>
-              </a:effectLst>
-            </a:endParaRPr>
           </a:p>
         </p:txBody>
       </p:sp>
@@ -34255,7 +33579,7 @@
           <p:nvPr>
             <p:extLst>
               <p:ext uri="{D42A27DB-BD31-4B8C-83A1-F6EECF244321}">
-                <p14:modId xmlns:p14="http://schemas.microsoft.com/office/powerpoint/2010/main" val="2101772332"/>
+                <p14:modId xmlns:p14="http://schemas.microsoft.com/office/powerpoint/2010/main" val="1004292423"/>
               </p:ext>
             </p:extLst>
           </p:nvPr>
@@ -34343,7 +33667,7 @@
                     <a:p>
                       <a:pPr algn="ctr"/>
                       <a:r>
-                        <a:rPr lang="en-US" sz="1400" dirty="0" smtClean="0">
+                        <a:rPr lang="en-US" sz="1400" dirty="0">
                           <a:solidFill>
                             <a:schemeClr val="accent1">
                               <a:lumMod val="50000"/>
@@ -34352,13 +33676,6 @@
                         </a:rPr>
                         <a:t>Data Set</a:t>
                       </a:r>
-                      <a:endParaRPr lang="en-US" sz="1400" dirty="0">
-                        <a:solidFill>
-                          <a:schemeClr val="accent1">
-                            <a:lumMod val="50000"/>
-                          </a:schemeClr>
-                        </a:solidFill>
-                      </a:endParaRPr>
                     </a:p>
                   </a:txBody>
                   <a:tcPr>
@@ -34377,7 +33694,7 @@
                     <a:p>
                       <a:pPr algn="ctr"/>
                       <a:r>
-                        <a:rPr lang="en-US" sz="1400" dirty="0" smtClean="0">
+                        <a:rPr lang="en-US" sz="1400" dirty="0">
                           <a:solidFill>
                             <a:schemeClr val="accent1">
                               <a:lumMod val="50000"/>
@@ -34386,13 +33703,6 @@
                         </a:rPr>
                         <a:t>True Positive</a:t>
                       </a:r>
-                      <a:endParaRPr lang="en-US" sz="1400" dirty="0">
-                        <a:solidFill>
-                          <a:schemeClr val="accent1">
-                            <a:lumMod val="50000"/>
-                          </a:schemeClr>
-                        </a:solidFill>
-                      </a:endParaRPr>
                     </a:p>
                   </a:txBody>
                   <a:tcPr>
@@ -34411,7 +33721,7 @@
                     <a:p>
                       <a:pPr algn="ctr"/>
                       <a:r>
-                        <a:rPr lang="en-US" sz="1400" dirty="0" smtClean="0">
+                        <a:rPr lang="en-US" sz="1400" dirty="0">
                           <a:solidFill>
                             <a:schemeClr val="accent1">
                               <a:lumMod val="50000"/>
@@ -34420,13 +33730,6 @@
                         </a:rPr>
                         <a:t>True Negative</a:t>
                       </a:r>
-                      <a:endParaRPr lang="en-US" sz="1400" dirty="0">
-                        <a:solidFill>
-                          <a:schemeClr val="accent1">
-                            <a:lumMod val="50000"/>
-                          </a:schemeClr>
-                        </a:solidFill>
-                      </a:endParaRPr>
                     </a:p>
                   </a:txBody>
                   <a:tcPr>
@@ -34445,7 +33748,7 @@
                     <a:p>
                       <a:pPr algn="ctr"/>
                       <a:r>
-                        <a:rPr lang="en-US" sz="1400" dirty="0" smtClean="0">
+                        <a:rPr lang="en-US" sz="1400" dirty="0">
                           <a:solidFill>
                             <a:schemeClr val="accent1">
                               <a:lumMod val="50000"/>
@@ -34454,13 +33757,6 @@
                         </a:rPr>
                         <a:t>False Positive</a:t>
                       </a:r>
-                      <a:endParaRPr lang="en-US" sz="1400" dirty="0">
-                        <a:solidFill>
-                          <a:schemeClr val="accent1">
-                            <a:lumMod val="50000"/>
-                          </a:schemeClr>
-                        </a:solidFill>
-                      </a:endParaRPr>
                     </a:p>
                   </a:txBody>
                   <a:tcPr>
@@ -34479,7 +33775,7 @@
                     <a:p>
                       <a:pPr algn="ctr"/>
                       <a:r>
-                        <a:rPr lang="en-US" sz="1400" dirty="0" smtClean="0">
+                        <a:rPr lang="en-US" sz="1400" dirty="0">
                           <a:solidFill>
                             <a:schemeClr val="accent1">
                               <a:lumMod val="50000"/>
@@ -34488,13 +33784,6 @@
                         </a:rPr>
                         <a:t>False Negative</a:t>
                       </a:r>
-                      <a:endParaRPr lang="en-US" sz="1400" dirty="0">
-                        <a:solidFill>
-                          <a:schemeClr val="accent1">
-                            <a:lumMod val="50000"/>
-                          </a:schemeClr>
-                        </a:solidFill>
-                      </a:endParaRPr>
                     </a:p>
                   </a:txBody>
                   <a:tcPr>
@@ -34513,18 +33802,13 @@
                     <a:p>
                       <a:pPr algn="ctr"/>
                       <a:r>
-                        <a:rPr lang="en-US" sz="1400" dirty="0" smtClean="0">
+                        <a:rPr lang="en-US" sz="1400" dirty="0">
                           <a:solidFill>
                             <a:schemeClr val="tx1"/>
                           </a:solidFill>
                         </a:rPr>
                         <a:t>Accuracy</a:t>
                       </a:r>
-                      <a:endParaRPr lang="en-US" sz="1400" dirty="0">
-                        <a:solidFill>
-                          <a:schemeClr val="tx1"/>
-                        </a:solidFill>
-                      </a:endParaRPr>
                     </a:p>
                   </a:txBody>
                   <a:tcPr>
@@ -34542,18 +33826,13 @@
                     <a:p>
                       <a:pPr algn="ctr"/>
                       <a:r>
-                        <a:rPr lang="en-US" sz="1400" dirty="0" smtClean="0">
+                        <a:rPr lang="en-US" sz="1400" dirty="0">
                           <a:solidFill>
                             <a:schemeClr val="tx1"/>
                           </a:solidFill>
                         </a:rPr>
                         <a:t>Precision</a:t>
                       </a:r>
-                      <a:endParaRPr lang="en-US" sz="1400" dirty="0">
-                        <a:solidFill>
-                          <a:schemeClr val="tx1"/>
-                        </a:solidFill>
-                      </a:endParaRPr>
                     </a:p>
                   </a:txBody>
                   <a:tcPr>
@@ -34571,18 +33850,13 @@
                     <a:p>
                       <a:pPr algn="ctr"/>
                       <a:r>
-                        <a:rPr lang="en-US" sz="1400" dirty="0" smtClean="0">
+                        <a:rPr lang="en-US" sz="1400" dirty="0">
                           <a:solidFill>
                             <a:schemeClr val="tx1"/>
                           </a:solidFill>
                         </a:rPr>
                         <a:t>Recall</a:t>
                       </a:r>
-                      <a:endParaRPr lang="en-US" sz="1400" dirty="0">
-                        <a:solidFill>
-                          <a:schemeClr val="tx1"/>
-                        </a:solidFill>
-                      </a:endParaRPr>
                     </a:p>
                   </a:txBody>
                   <a:tcPr>
@@ -34600,18 +33874,13 @@
                     <a:p>
                       <a:pPr algn="ctr"/>
                       <a:r>
-                        <a:rPr lang="en-US" sz="1400" dirty="0" smtClean="0">
+                        <a:rPr lang="en-US" sz="1400" dirty="0">
                           <a:solidFill>
                             <a:schemeClr val="tx1"/>
                           </a:solidFill>
                         </a:rPr>
                         <a:t>F-Score</a:t>
                       </a:r>
-                      <a:endParaRPr lang="en-US" sz="1400" dirty="0">
-                        <a:solidFill>
-                          <a:schemeClr val="tx1"/>
-                        </a:solidFill>
-                      </a:endParaRPr>
                     </a:p>
                   </a:txBody>
                   <a:tcPr>
@@ -34635,11 +33904,11 @@
                     <a:lstStyle/>
                     <a:p>
                       <a:r>
-                        <a:rPr lang="en-US" sz="1400" dirty="0" smtClean="0"/>
+                        <a:rPr lang="en-US" sz="1400" dirty="0"/>
                         <a:t>Training</a:t>
                       </a:r>
                       <a:r>
-                        <a:rPr lang="en-US" sz="1400" baseline="0" dirty="0" smtClean="0"/>
+                        <a:rPr lang="en-US" sz="1400" baseline="0" dirty="0"/>
                         <a:t> Set</a:t>
                       </a:r>
                       <a:endParaRPr lang="en-US" sz="1400" dirty="0"/>
@@ -34654,10 +33923,9 @@
                     <a:p>
                       <a:pPr algn="ctr"/>
                       <a:r>
-                        <a:rPr lang="en-US" sz="1400" dirty="0" smtClean="0"/>
+                        <a:rPr lang="en-US" sz="1400" dirty="0"/>
                         <a:t>2315</a:t>
                       </a:r>
-                      <a:endParaRPr lang="en-US" sz="1400" dirty="0"/>
                     </a:p>
                   </a:txBody>
                   <a:tcPr/>
@@ -34669,10 +33937,9 @@
                     <a:p>
                       <a:pPr algn="ctr"/>
                       <a:r>
-                        <a:rPr lang="en-US" sz="1400" dirty="0" smtClean="0"/>
+                        <a:rPr lang="en-US" sz="1400" dirty="0"/>
                         <a:t>190</a:t>
                       </a:r>
-                      <a:endParaRPr lang="en-US" sz="1400" dirty="0"/>
                     </a:p>
                   </a:txBody>
                   <a:tcPr/>
@@ -34684,10 +33951,9 @@
                     <a:p>
                       <a:pPr algn="ctr"/>
                       <a:r>
-                        <a:rPr lang="en-US" sz="1400" dirty="0" smtClean="0"/>
+                        <a:rPr lang="en-US" sz="1400" dirty="0"/>
                         <a:t>13</a:t>
                       </a:r>
-                      <a:endParaRPr lang="en-US" sz="1400" dirty="0"/>
                     </a:p>
                   </a:txBody>
                   <a:tcPr/>
@@ -34699,10 +33965,9 @@
                     <a:p>
                       <a:pPr algn="ctr"/>
                       <a:r>
-                        <a:rPr lang="en-US" sz="1400" dirty="0" smtClean="0"/>
+                        <a:rPr lang="en-US" sz="1400" dirty="0"/>
                         <a:t>2</a:t>
                       </a:r>
-                      <a:endParaRPr lang="en-US" sz="1400" dirty="0"/>
                     </a:p>
                   </a:txBody>
                   <a:tcPr/>
@@ -34714,10 +33979,9 @@
                     <a:p>
                       <a:pPr algn="ctr"/>
                       <a:r>
-                        <a:rPr lang="en-US" sz="1400" dirty="0" smtClean="0"/>
+                        <a:rPr lang="en-US" sz="1400" dirty="0"/>
                         <a:t>99.4%</a:t>
                       </a:r>
-                      <a:endParaRPr lang="en-US" sz="1400" dirty="0"/>
                     </a:p>
                   </a:txBody>
                   <a:tcPr/>
@@ -34729,10 +33993,9 @@
                     <a:p>
                       <a:pPr algn="ctr"/>
                       <a:r>
-                        <a:rPr lang="en-US" sz="1400" dirty="0" smtClean="0"/>
+                        <a:rPr lang="en-US" sz="1400" dirty="0"/>
                         <a:t>99.4%</a:t>
                       </a:r>
-                      <a:endParaRPr lang="en-US" sz="1400" dirty="0"/>
                     </a:p>
                   </a:txBody>
                   <a:tcPr/>
@@ -34744,10 +34007,9 @@
                     <a:p>
                       <a:pPr algn="ctr"/>
                       <a:r>
-                        <a:rPr lang="en-US" sz="1400" dirty="0" smtClean="0"/>
+                        <a:rPr lang="en-US" sz="1400" dirty="0"/>
                         <a:t>99.9%</a:t>
                       </a:r>
-                      <a:endParaRPr lang="en-US" sz="1400" dirty="0"/>
                     </a:p>
                   </a:txBody>
                   <a:tcPr/>
@@ -34759,10 +34021,9 @@
                     <a:p>
                       <a:pPr algn="ctr"/>
                       <a:r>
-                        <a:rPr lang="en-US" sz="1400" dirty="0" smtClean="0"/>
+                        <a:rPr lang="en-US" sz="1400" dirty="0"/>
                         <a:t>99.6%</a:t>
                       </a:r>
-                      <a:endParaRPr lang="en-US" sz="1400" dirty="0"/>
                     </a:p>
                   </a:txBody>
                   <a:tcPr/>
@@ -34780,10 +34041,9 @@
                     <a:lstStyle/>
                     <a:p>
                       <a:r>
-                        <a:rPr lang="en-US" sz="1400" dirty="0" smtClean="0"/>
+                        <a:rPr lang="en-US" sz="1400" dirty="0"/>
                         <a:t>Test Set</a:t>
                       </a:r>
-                      <a:endParaRPr lang="en-US" sz="1400" dirty="0"/>
                     </a:p>
                   </a:txBody>
                   <a:tcPr/>
@@ -34795,10 +34055,9 @@
                     <a:p>
                       <a:pPr algn="ctr"/>
                       <a:r>
-                        <a:rPr lang="en-US" sz="1400" dirty="0" smtClean="0"/>
-                        <a:t>576</a:t>
+                        <a:rPr lang="en-US" sz="1400" dirty="0"/>
+                        <a:t>572</a:t>
                       </a:r>
-                      <a:endParaRPr lang="en-US" sz="1400" dirty="0"/>
                     </a:p>
                   </a:txBody>
                   <a:tcPr/>
@@ -34810,10 +34069,9 @@
                     <a:p>
                       <a:pPr algn="ctr"/>
                       <a:r>
-                        <a:rPr lang="en-US" sz="1400" dirty="0" smtClean="0"/>
-                        <a:t>11</a:t>
+                        <a:rPr lang="en-US" sz="1400" dirty="0"/>
+                        <a:t>12</a:t>
                       </a:r>
-                      <a:endParaRPr lang="en-US" sz="1400" dirty="0"/>
                     </a:p>
                   </a:txBody>
                   <a:tcPr/>
@@ -34825,10 +34083,9 @@
                     <a:p>
                       <a:pPr algn="ctr"/>
                       <a:r>
-                        <a:rPr lang="en-US" sz="1400" dirty="0" smtClean="0"/>
-                        <a:t>43</a:t>
+                        <a:rPr lang="en-US" sz="1400" dirty="0"/>
+                        <a:t>42</a:t>
                       </a:r>
-                      <a:endParaRPr lang="en-US" sz="1400" dirty="0"/>
                     </a:p>
                   </a:txBody>
                   <a:tcPr/>
@@ -34840,10 +34097,9 @@
                     <a:p>
                       <a:pPr algn="ctr"/>
                       <a:r>
-                        <a:rPr lang="en-US" sz="1400" dirty="0" smtClean="0"/>
-                        <a:t>0</a:t>
+                        <a:rPr lang="en-US" sz="1400" dirty="0"/>
+                        <a:t>4</a:t>
                       </a:r>
-                      <a:endParaRPr lang="en-US" sz="1400" dirty="0"/>
                     </a:p>
                   </a:txBody>
                   <a:tcPr/>
@@ -34855,10 +34111,9 @@
                     <a:p>
                       <a:pPr algn="ctr"/>
                       <a:r>
-                        <a:rPr lang="en-US" sz="1400" dirty="0" smtClean="0"/>
+                        <a:rPr lang="en-US" sz="1400" dirty="0"/>
                         <a:t>93.1%</a:t>
                       </a:r>
-                      <a:endParaRPr lang="en-US" sz="1400" dirty="0"/>
                     </a:p>
                   </a:txBody>
                   <a:tcPr/>
@@ -34870,10 +34125,9 @@
                     <a:p>
                       <a:pPr algn="ctr"/>
                       <a:r>
-                        <a:rPr lang="en-US" sz="1400" dirty="0" smtClean="0"/>
+                        <a:rPr lang="en-US" sz="1400" dirty="0"/>
                         <a:t>93.1%</a:t>
                       </a:r>
-                      <a:endParaRPr lang="en-US" sz="1400" dirty="0"/>
                     </a:p>
                   </a:txBody>
                   <a:tcPr/>
@@ -34885,10 +34139,9 @@
                     <a:p>
                       <a:pPr algn="ctr"/>
                       <a:r>
-                        <a:rPr lang="en-US" sz="1400" dirty="0" smtClean="0"/>
+                        <a:rPr lang="en-US" sz="1400" dirty="0"/>
                         <a:t>99.8%</a:t>
                       </a:r>
-                      <a:endParaRPr lang="en-US" sz="1400" dirty="0"/>
                     </a:p>
                   </a:txBody>
                   <a:tcPr/>
@@ -34900,10 +34153,9 @@
                     <a:p>
                       <a:pPr algn="ctr"/>
                       <a:r>
-                        <a:rPr lang="en-US" sz="1400" dirty="0" smtClean="0"/>
+                        <a:rPr lang="en-US" sz="1400" dirty="0"/>
                         <a:t>96.3%</a:t>
                       </a:r>
-                      <a:endParaRPr lang="en-US" sz="1400" dirty="0"/>
                     </a:p>
                   </a:txBody>
                   <a:tcPr/>
@@ -34950,28 +34202,28 @@
       </p:pic>
       <p:pic>
         <p:nvPicPr>
-          <p:cNvPr id="12" name="Picture 11" descr="Screen Clipping"/>
+          <p:cNvPr id="3" name="Picture 2">
+            <a:extLst>
+              <a:ext uri="{FF2B5EF4-FFF2-40B4-BE49-F238E27FC236}">
+                <a16:creationId xmlns:a16="http://schemas.microsoft.com/office/drawing/2014/main" id="{D45EEDA8-FBCC-6F43-BDB7-B7AE12EE5F79}"/>
+              </a:ext>
+            </a:extLst>
+          </p:cNvPr>
           <p:cNvPicPr>
             <a:picLocks noChangeAspect="1"/>
           </p:cNvPicPr>
           <p:nvPr/>
         </p:nvPicPr>
         <p:blipFill>
-          <a:blip r:embed="rId3">
-            <a:extLst>
-              <a:ext uri="{28A0092B-C50C-407E-A947-70E740481C1C}">
-                <a14:useLocalDpi xmlns:a14="http://schemas.microsoft.com/office/drawing/2010/main" val="0"/>
-              </a:ext>
-            </a:extLst>
-          </a:blip>
+          <a:blip r:embed="rId3"/>
           <a:stretch>
             <a:fillRect/>
           </a:stretch>
         </p:blipFill>
         <p:spPr>
           <a:xfrm>
-            <a:off x="6242415" y="2299065"/>
-            <a:ext cx="5762353" cy="4415245"/>
+            <a:off x="6156963" y="2299064"/>
+            <a:ext cx="5432781" cy="4396319"/>
           </a:xfrm>
           <a:prstGeom prst="rect">
             <a:avLst/>
@@ -34988,13 +34240,6 @@
   <p:clrMapOvr>
     <a:masterClrMapping/>
   </p:clrMapOvr>
-  <p:timing>
-    <p:tnLst>
-      <p:par>
-        <p:cTn id="1" dur="indefinite" restart="never" nodeType="tmRoot"/>
-      </p:par>
-    </p:tnLst>
-  </p:timing>
 </p:sld>
 </file>
 
